--- a/reference_material/slides/022_mult_inh_abc.pptx
+++ b/reference_material/slides/022_mult_inh_abc.pptx
@@ -6,23 +6,33 @@
   </p:sldMasterIdLst>
   <p:sldIdLst>
     <p:sldId id="264" r:id="rId2"/>
-    <p:sldId id="256" r:id="rId3"/>
-    <p:sldId id="270" r:id="rId4"/>
-    <p:sldId id="272" r:id="rId5"/>
-    <p:sldId id="271" r:id="rId6"/>
-    <p:sldId id="273" r:id="rId7"/>
-    <p:sldId id="267" r:id="rId8"/>
-    <p:sldId id="262" r:id="rId9"/>
-    <p:sldId id="257" r:id="rId10"/>
-    <p:sldId id="268" r:id="rId11"/>
-    <p:sldId id="260" r:id="rId12"/>
-    <p:sldId id="263" r:id="rId13"/>
-    <p:sldId id="259" r:id="rId14"/>
-    <p:sldId id="258" r:id="rId15"/>
-    <p:sldId id="265" r:id="rId16"/>
-    <p:sldId id="266" r:id="rId17"/>
-    <p:sldId id="269" r:id="rId18"/>
-    <p:sldId id="261" r:id="rId19"/>
+    <p:sldId id="278" r:id="rId3"/>
+    <p:sldId id="279" r:id="rId4"/>
+    <p:sldId id="280" r:id="rId5"/>
+    <p:sldId id="281" r:id="rId6"/>
+    <p:sldId id="282" r:id="rId7"/>
+    <p:sldId id="283" r:id="rId8"/>
+    <p:sldId id="256" r:id="rId9"/>
+    <p:sldId id="270" r:id="rId10"/>
+    <p:sldId id="272" r:id="rId11"/>
+    <p:sldId id="271" r:id="rId12"/>
+    <p:sldId id="273" r:id="rId13"/>
+    <p:sldId id="267" r:id="rId14"/>
+    <p:sldId id="262" r:id="rId15"/>
+    <p:sldId id="257" r:id="rId16"/>
+    <p:sldId id="268" r:id="rId17"/>
+    <p:sldId id="274" r:id="rId18"/>
+    <p:sldId id="260" r:id="rId19"/>
+    <p:sldId id="263" r:id="rId20"/>
+    <p:sldId id="259" r:id="rId21"/>
+    <p:sldId id="275" r:id="rId22"/>
+    <p:sldId id="258" r:id="rId23"/>
+    <p:sldId id="265" r:id="rId24"/>
+    <p:sldId id="277" r:id="rId25"/>
+    <p:sldId id="266" r:id="rId26"/>
+    <p:sldId id="269" r:id="rId27"/>
+    <p:sldId id="276" r:id="rId28"/>
+    <p:sldId id="261" r:id="rId29"/>
   </p:sldIdLst>
   <p:sldSz cx="12192000" cy="6858000"/>
   <p:notesSz cx="6858000" cy="9144000"/>
@@ -121,6 +131,11 @@
       </a:defRPr>
     </a:lvl9pPr>
   </p:defaultTextStyle>
+  <p:extLst>
+    <p:ext uri="{EFAFB233-063F-42B5-8137-9DF3F51BA10A}">
+      <p15:sldGuideLst xmlns:p15="http://schemas.microsoft.com/office/powerpoint/2012/main"/>
+    </p:ext>
+  </p:extLst>
 </p:presentation>
 </file>
 
@@ -263,7 +278,7 @@
           <a:p>
             <a:fld id="{E45A27AC-861D-0240-9713-26B7526E5326}" type="datetimeFigureOut">
               <a:rPr lang="en-US" smtClean="0"/>
-              <a:t>11/19/23</a:t>
+              <a:t>10/29/24</a:t>
             </a:fld>
             <a:endParaRPr lang="en-US"/>
           </a:p>
@@ -474,7 +489,7 @@
           <a:p>
             <a:fld id="{E45A27AC-861D-0240-9713-26B7526E5326}" type="datetimeFigureOut">
               <a:rPr lang="en-US" smtClean="0"/>
-              <a:t>11/19/23</a:t>
+              <a:t>10/29/24</a:t>
             </a:fld>
             <a:endParaRPr lang="en-US"/>
           </a:p>
@@ -689,7 +704,7 @@
           <a:p>
             <a:fld id="{E45A27AC-861D-0240-9713-26B7526E5326}" type="datetimeFigureOut">
               <a:rPr lang="en-US" smtClean="0"/>
-              <a:t>11/19/23</a:t>
+              <a:t>10/29/24</a:t>
             </a:fld>
             <a:endParaRPr lang="en-US"/>
           </a:p>
@@ -890,7 +905,7 @@
           <a:p>
             <a:fld id="{E45A27AC-861D-0240-9713-26B7526E5326}" type="datetimeFigureOut">
               <a:rPr lang="en-US" smtClean="0"/>
-              <a:t>11/19/23</a:t>
+              <a:t>10/29/24</a:t>
             </a:fld>
             <a:endParaRPr lang="en-US"/>
           </a:p>
@@ -1169,7 +1184,7 @@
           <a:p>
             <a:fld id="{E45A27AC-861D-0240-9713-26B7526E5326}" type="datetimeFigureOut">
               <a:rPr lang="en-US" smtClean="0"/>
-              <a:t>11/19/23</a:t>
+              <a:t>10/29/24</a:t>
             </a:fld>
             <a:endParaRPr lang="en-US"/>
           </a:p>
@@ -1437,7 +1452,7 @@
           <a:p>
             <a:fld id="{E45A27AC-861D-0240-9713-26B7526E5326}" type="datetimeFigureOut">
               <a:rPr lang="en-US" smtClean="0"/>
-              <a:t>11/19/23</a:t>
+              <a:t>10/29/24</a:t>
             </a:fld>
             <a:endParaRPr lang="en-US"/>
           </a:p>
@@ -1853,7 +1868,7 @@
           <a:p>
             <a:fld id="{E45A27AC-861D-0240-9713-26B7526E5326}" type="datetimeFigureOut">
               <a:rPr lang="en-US" smtClean="0"/>
-              <a:t>11/19/23</a:t>
+              <a:t>10/29/24</a:t>
             </a:fld>
             <a:endParaRPr lang="en-US"/>
           </a:p>
@@ -2002,7 +2017,7 @@
           <a:p>
             <a:fld id="{E45A27AC-861D-0240-9713-26B7526E5326}" type="datetimeFigureOut">
               <a:rPr lang="en-US" smtClean="0"/>
-              <a:t>11/19/23</a:t>
+              <a:t>10/29/24</a:t>
             </a:fld>
             <a:endParaRPr lang="en-US"/>
           </a:p>
@@ -2128,7 +2143,7 @@
           <a:p>
             <a:fld id="{E45A27AC-861D-0240-9713-26B7526E5326}" type="datetimeFigureOut">
               <a:rPr lang="en-US" smtClean="0"/>
-              <a:t>11/19/23</a:t>
+              <a:t>10/29/24</a:t>
             </a:fld>
             <a:endParaRPr lang="en-US"/>
           </a:p>
@@ -2379,7 +2394,7 @@
           <a:p>
             <a:fld id="{E45A27AC-861D-0240-9713-26B7526E5326}" type="datetimeFigureOut">
               <a:rPr lang="en-US" smtClean="0"/>
-              <a:t>11/19/23</a:t>
+              <a:t>10/29/24</a:t>
             </a:fld>
             <a:endParaRPr lang="en-US"/>
           </a:p>
@@ -2824,7 +2839,7 @@
           <a:p>
             <a:fld id="{E45A27AC-861D-0240-9713-26B7526E5326}" type="datetimeFigureOut">
               <a:rPr lang="en-US" smtClean="0"/>
-              <a:t>11/19/23</a:t>
+              <a:t>10/29/24</a:t>
             </a:fld>
             <a:endParaRPr lang="en-US"/>
           </a:p>
@@ -3151,7 +3166,7 @@
           <a:p>
             <a:fld id="{E45A27AC-861D-0240-9713-26B7526E5326}" type="datetimeFigureOut">
               <a:rPr lang="en-US" smtClean="0"/>
-              <a:t>11/19/23</a:t>
+              <a:t>10/29/24</a:t>
             </a:fld>
             <a:endParaRPr lang="en-US"/>
           </a:p>
@@ -3683,75 +3698,90 @@
         </p:nvSpPr>
         <p:spPr>
           <a:xfrm>
-            <a:off x="1451579" y="1853754"/>
-            <a:ext cx="9603275" cy="4109724"/>
+            <a:off x="1451579" y="1853753"/>
+            <a:ext cx="9603275" cy="4199727"/>
           </a:xfrm>
         </p:spPr>
         <p:txBody>
-          <a:bodyPr/>
-          <a:lstStyle/>
-          <a:p>
-            <a:r>
-              <a:rPr lang="en-US" dirty="0"/>
-              <a:t>Assignment #1:</a:t>
-            </a:r>
-          </a:p>
-          <a:p>
-            <a:pPr lvl="1"/>
-            <a:r>
-              <a:rPr lang="en-US" dirty="0"/>
-              <a:t>Look at a few of the details. </a:t>
-            </a:r>
-          </a:p>
-          <a:p>
-            <a:r>
-              <a:rPr lang="en-US" dirty="0"/>
-              <a:t>Today:</a:t>
-            </a:r>
-          </a:p>
-          <a:p>
-            <a:pPr lvl="1"/>
-            <a:r>
-              <a:rPr lang="en-US" dirty="0"/>
-              <a:t>More (the last big part of) inheritance and objects. </a:t>
-            </a:r>
-          </a:p>
-          <a:p>
-            <a:pPr lvl="1"/>
-            <a:r>
-              <a:rPr lang="en-US" dirty="0"/>
-              <a:t>Abstract classes and methods. </a:t>
-            </a:r>
-          </a:p>
-          <a:p>
-            <a:r>
-              <a:rPr lang="en-US" dirty="0"/>
-              <a:t>Assignment #2:</a:t>
-            </a:r>
-          </a:p>
-          <a:p>
-            <a:pPr lvl="1"/>
-            <a:r>
-              <a:rPr lang="en-US" dirty="0"/>
-              <a:t>Read data, do some processing, write some results – fairly realistic!! </a:t>
-            </a:r>
-          </a:p>
-          <a:p>
-            <a:pPr lvl="1"/>
-            <a:r>
-              <a:rPr lang="en-US" dirty="0"/>
-              <a:t>Please read and ask on anything that doesn’t make sense initially. </a:t>
-            </a:r>
-          </a:p>
-          <a:p>
-            <a:pPr lvl="1"/>
-            <a:r>
-              <a:rPr lang="en-US" dirty="0"/>
-              <a:t>Ideally, most people can get some of the starting points done in class (i.e. ABC stuff). </a:t>
-            </a:r>
-          </a:p>
-          <a:p>
-            <a:endParaRPr lang="en-US" dirty="0"/>
+          <a:bodyPr>
+            <a:normAutofit/>
+          </a:bodyPr>
+          <a:lstStyle/>
+          <a:p>
+            <a:r>
+              <a:rPr lang="en-US" dirty="0"/>
+              <a:t>Today (</a:t>
+            </a:r>
+            <a:r>
+              <a:rPr lang="en-US" b="1" dirty="0"/>
+              <a:t>START AT 12:10 for today</a:t>
+            </a:r>
+            <a:r>
+              <a:rPr lang="en-US" dirty="0"/>
+              <a:t>. I have something that’ll take up about 7 or 8 mins):</a:t>
+            </a:r>
+          </a:p>
+          <a:p>
+            <a:pPr lvl="1"/>
+            <a:r>
+              <a:rPr lang="en-US" dirty="0"/>
+              <a:t>More (the last big part of) inheritance and objects, abstract classes and methods. (book 021)</a:t>
+            </a:r>
+          </a:p>
+          <a:p>
+            <a:pPr lvl="1"/>
+            <a:r>
+              <a:rPr lang="en-US" dirty="0"/>
+              <a:t>Review of stuff up until now – workbook 020, as well as the card stuff. </a:t>
+            </a:r>
+          </a:p>
+          <a:p>
+            <a:r>
+              <a:rPr lang="en-US" dirty="0"/>
+              <a:t>Review/Catch-up/Consolidation times right now:</a:t>
+            </a:r>
+          </a:p>
+          <a:p>
+            <a:pPr lvl="1"/>
+            <a:r>
+              <a:rPr lang="en-US" dirty="0"/>
+              <a:t>Use this time of slowish progress to make sure the basics up until now make sense. </a:t>
+            </a:r>
+          </a:p>
+          <a:p>
+            <a:pPr lvl="2"/>
+            <a:r>
+              <a:rPr lang="en-US" dirty="0"/>
+              <a:t>If you need some help on something, please ask! We can find different examples/views. </a:t>
+            </a:r>
+          </a:p>
+          <a:p>
+            <a:pPr lvl="2"/>
+            <a:r>
+              <a:rPr lang="en-US" dirty="0"/>
+              <a:t>It is normal and good to forget/need refreshing, then ultimately expand on the same concepts. </a:t>
+            </a:r>
+          </a:p>
+          <a:p>
+            <a:pPr lvl="1"/>
+            <a:r>
+              <a:rPr lang="en-US" dirty="0"/>
+              <a:t>The card thing is a good overall wrap-up/summary exercise that touches most things. </a:t>
+            </a:r>
+          </a:p>
+          <a:p>
+            <a:pPr lvl="2"/>
+            <a:r>
+              <a:rPr lang="en-US" dirty="0"/>
+              <a:t>Classes, functions, ‘where to put stuff’ (design), containers, variables, static stuff, testing. </a:t>
+            </a:r>
+          </a:p>
+          <a:p>
+            <a:pPr lvl="1"/>
+            <a:r>
+              <a:rPr lang="en-US" dirty="0"/>
+              <a:t>Focus on inputs/output – where to start, what’s the goal, break that into tiny steps and go. </a:t>
+            </a:r>
           </a:p>
         </p:txBody>
       </p:sp>
@@ -3769,6 +3799,332 @@
 </file>
 
 <file path=ppt/slides/slide10.xml><?xml version="1.0" encoding="utf-8"?>
+<p:sld xmlns:a="http://schemas.openxmlformats.org/drawingml/2006/main" xmlns:r="http://schemas.openxmlformats.org/officeDocument/2006/relationships" xmlns:p="http://schemas.openxmlformats.org/presentationml/2006/main" show="0">
+  <p:cSld>
+    <p:spTree>
+      <p:nvGrpSpPr>
+        <p:cNvPr id="1" name=""/>
+        <p:cNvGrpSpPr/>
+        <p:nvPr/>
+      </p:nvGrpSpPr>
+      <p:grpSpPr>
+        <a:xfrm>
+          <a:off x="0" y="0"/>
+          <a:ext cx="0" cy="0"/>
+          <a:chOff x="0" y="0"/>
+          <a:chExt cx="0" cy="0"/>
+        </a:xfrm>
+      </p:grpSpPr>
+      <p:sp>
+        <p:nvSpPr>
+          <p:cNvPr id="2" name="Title 1">
+            <a:extLst>
+              <a:ext uri="{FF2B5EF4-FFF2-40B4-BE49-F238E27FC236}">
+                <a16:creationId xmlns:a16="http://schemas.microsoft.com/office/drawing/2014/main" id="{9BDE379B-B55E-32F4-6F34-16F0DF130D89}"/>
+              </a:ext>
+            </a:extLst>
+          </p:cNvPr>
+          <p:cNvSpPr>
+            <a:spLocks noGrp="1"/>
+          </p:cNvSpPr>
+          <p:nvPr>
+            <p:ph type="title"/>
+          </p:nvPr>
+        </p:nvSpPr>
+        <p:spPr/>
+        <p:txBody>
+          <a:bodyPr/>
+          <a:lstStyle/>
+          <a:p>
+            <a:r>
+              <a:rPr lang="en-US" dirty="0"/>
+              <a:t>Assignment 1</a:t>
+            </a:r>
+          </a:p>
+        </p:txBody>
+      </p:sp>
+      <p:sp>
+        <p:nvSpPr>
+          <p:cNvPr id="3" name="Content Placeholder 2">
+            <a:extLst>
+              <a:ext uri="{FF2B5EF4-FFF2-40B4-BE49-F238E27FC236}">
+                <a16:creationId xmlns:a16="http://schemas.microsoft.com/office/drawing/2014/main" id="{3BF60FA5-582A-540F-9E9D-30F711166395}"/>
+              </a:ext>
+            </a:extLst>
+          </p:cNvPr>
+          <p:cNvSpPr>
+            <a:spLocks noGrp="1"/>
+          </p:cNvSpPr>
+          <p:nvPr>
+            <p:ph idx="1"/>
+          </p:nvPr>
+        </p:nvSpPr>
+        <p:spPr>
+          <a:xfrm>
+            <a:off x="1451579" y="1853754"/>
+            <a:ext cx="9603275" cy="4199727"/>
+          </a:xfrm>
+        </p:spPr>
+        <p:txBody>
+          <a:bodyPr>
+            <a:normAutofit lnSpcReduction="10000"/>
+          </a:bodyPr>
+          <a:lstStyle/>
+          <a:p>
+            <a:r>
+              <a:rPr lang="en-US" dirty="0"/>
+              <a:t>Container structure:</a:t>
+            </a:r>
+          </a:p>
+          <a:p>
+            <a:pPr lvl="1"/>
+            <a:r>
+              <a:rPr lang="en-US" dirty="0"/>
+              <a:t>Each product contains one product – many attributes for each. </a:t>
+            </a:r>
+          </a:p>
+          <a:p>
+            <a:pPr lvl="1"/>
+            <a:r>
+              <a:rPr lang="en-US" dirty="0"/>
+              <a:t>The inventory is a container of products – we need some internal container (</a:t>
+            </a:r>
+            <a:r>
+              <a:rPr lang="en-US" dirty="0" err="1"/>
+              <a:t>dict</a:t>
+            </a:r>
+            <a:r>
+              <a:rPr lang="en-US" dirty="0"/>
+              <a:t>, list, </a:t>
+            </a:r>
+            <a:r>
+              <a:rPr lang="en-US" dirty="0" err="1"/>
+              <a:t>etc</a:t>
+            </a:r>
+            <a:r>
+              <a:rPr lang="en-US" dirty="0"/>
+              <a:t>…) to hold many products, as well as the other functionality of the objects. </a:t>
+            </a:r>
+          </a:p>
+          <a:p>
+            <a:pPr lvl="1"/>
+            <a:r>
+              <a:rPr lang="en-US" dirty="0"/>
+              <a:t>I used a dictionary:</a:t>
+            </a:r>
+          </a:p>
+          <a:p>
+            <a:pPr lvl="2"/>
+            <a:r>
+              <a:rPr lang="en-US" dirty="0"/>
+              <a:t>Product name as key, product and stock level as tuple in the value. </a:t>
+            </a:r>
+          </a:p>
+          <a:p>
+            <a:pPr lvl="2"/>
+            <a:r>
+              <a:rPr lang="en-US" dirty="0"/>
+              <a:t>This isn’t “correct”, the values can be arranged differently. </a:t>
+            </a:r>
+          </a:p>
+          <a:p>
+            <a:pPr lvl="1"/>
+            <a:r>
+              <a:rPr lang="en-US" dirty="0"/>
+              <a:t>Need to track what each attribute “belongs to” – stock is not a product thing. </a:t>
+            </a:r>
+          </a:p>
+          <a:p>
+            <a:pPr lvl="2"/>
+            <a:r>
+              <a:rPr lang="en-US" dirty="0"/>
+              <a:t>Could be a “stocked-product” object to sit there. </a:t>
+            </a:r>
+          </a:p>
+          <a:p>
+            <a:pPr lvl="2"/>
+            <a:r>
+              <a:rPr lang="en-US" dirty="0"/>
+              <a:t>Similar to the refactoring in databases – including the “connecting” table/object. </a:t>
+            </a:r>
+          </a:p>
+          <a:p>
+            <a:r>
+              <a:rPr lang="en-US" dirty="0"/>
+              <a:t>Keeping this type of stuff straight is useful in loading datasets later on. </a:t>
+            </a:r>
+          </a:p>
+        </p:txBody>
+      </p:sp>
+    </p:spTree>
+    <p:extLst>
+      <p:ext uri="{BB962C8B-B14F-4D97-AF65-F5344CB8AC3E}">
+        <p14:creationId xmlns:p14="http://schemas.microsoft.com/office/powerpoint/2010/main" val="3289554301"/>
+      </p:ext>
+    </p:extLst>
+  </p:cSld>
+  <p:clrMapOvr>
+    <a:masterClrMapping/>
+  </p:clrMapOvr>
+</p:sld>
+</file>
+
+<file path=ppt/slides/slide11.xml><?xml version="1.0" encoding="utf-8"?>
+<p:sld xmlns:a="http://schemas.openxmlformats.org/drawingml/2006/main" xmlns:r="http://schemas.openxmlformats.org/officeDocument/2006/relationships" xmlns:p="http://schemas.openxmlformats.org/presentationml/2006/main" show="0">
+  <p:cSld>
+    <p:spTree>
+      <p:nvGrpSpPr>
+        <p:cNvPr id="1" name=""/>
+        <p:cNvGrpSpPr/>
+        <p:nvPr/>
+      </p:nvGrpSpPr>
+      <p:grpSpPr>
+        <a:xfrm>
+          <a:off x="0" y="0"/>
+          <a:ext cx="0" cy="0"/>
+          <a:chOff x="0" y="0"/>
+          <a:chExt cx="0" cy="0"/>
+        </a:xfrm>
+      </p:grpSpPr>
+      <p:sp>
+        <p:nvSpPr>
+          <p:cNvPr id="2" name="Title 1">
+            <a:extLst>
+              <a:ext uri="{FF2B5EF4-FFF2-40B4-BE49-F238E27FC236}">
+                <a16:creationId xmlns:a16="http://schemas.microsoft.com/office/drawing/2014/main" id="{A2F27E6B-65D0-6824-6AC4-5E8875C0C22B}"/>
+              </a:ext>
+            </a:extLst>
+          </p:cNvPr>
+          <p:cNvSpPr>
+            <a:spLocks noGrp="1"/>
+          </p:cNvSpPr>
+          <p:nvPr>
+            <p:ph type="title"/>
+          </p:nvPr>
+        </p:nvSpPr>
+        <p:spPr/>
+        <p:txBody>
+          <a:bodyPr/>
+          <a:lstStyle/>
+          <a:p>
+            <a:r>
+              <a:rPr lang="en-US" dirty="0" err="1"/>
+              <a:t>Asn</a:t>
+            </a:r>
+            <a:r>
+              <a:rPr lang="en-US" dirty="0"/>
+              <a:t> 1</a:t>
+            </a:r>
+          </a:p>
+        </p:txBody>
+      </p:sp>
+      <p:sp>
+        <p:nvSpPr>
+          <p:cNvPr id="3" name="Content Placeholder 2">
+            <a:extLst>
+              <a:ext uri="{FF2B5EF4-FFF2-40B4-BE49-F238E27FC236}">
+                <a16:creationId xmlns:a16="http://schemas.microsoft.com/office/drawing/2014/main" id="{3720CED2-DA9A-6FEE-48F2-2EA582410B4A}"/>
+              </a:ext>
+            </a:extLst>
+          </p:cNvPr>
+          <p:cNvSpPr>
+            <a:spLocks noGrp="1"/>
+          </p:cNvSpPr>
+          <p:nvPr>
+            <p:ph idx="1"/>
+          </p:nvPr>
+        </p:nvSpPr>
+        <p:spPr>
+          <a:xfrm>
+            <a:off x="1036949" y="1853754"/>
+            <a:ext cx="10017906" cy="4199727"/>
+          </a:xfrm>
+        </p:spPr>
+        <p:txBody>
+          <a:bodyPr/>
+          <a:lstStyle/>
+          <a:p>
+            <a:r>
+              <a:rPr lang="en-US" dirty="0"/>
+              <a:t>Testing and building the process. </a:t>
+            </a:r>
+          </a:p>
+          <a:p>
+            <a:pPr lvl="1"/>
+            <a:r>
+              <a:rPr lang="en-US" dirty="0"/>
+              <a:t>Can I read a line of data? </a:t>
+            </a:r>
+          </a:p>
+          <a:p>
+            <a:pPr lvl="1"/>
+            <a:r>
+              <a:rPr lang="en-US" dirty="0"/>
+              <a:t>Can I take that line of data and make an object from it? </a:t>
+            </a:r>
+          </a:p>
+          <a:p>
+            <a:pPr lvl="1"/>
+            <a:r>
+              <a:rPr lang="en-US" dirty="0"/>
+              <a:t>Can I add all the data from that line that I need to my object? </a:t>
+            </a:r>
+          </a:p>
+          <a:p>
+            <a:pPr lvl="1"/>
+            <a:r>
+              <a:rPr lang="en-US" dirty="0"/>
+              <a:t>Can I add methods/functionality one by one? </a:t>
+            </a:r>
+          </a:p>
+          <a:p>
+            <a:pPr lvl="1"/>
+            <a:r>
+              <a:rPr lang="en-US" dirty="0"/>
+              <a:t>Can I combine these product objects into a list or something, so they can be sorted or looped?</a:t>
+            </a:r>
+          </a:p>
+          <a:p>
+            <a:pPr lvl="1"/>
+            <a:r>
+              <a:rPr lang="en-US" dirty="0"/>
+              <a:t>Can I make an object that holds a bunch of these product objects? </a:t>
+            </a:r>
+          </a:p>
+          <a:p>
+            <a:pPr lvl="1"/>
+            <a:r>
+              <a:rPr lang="en-US" dirty="0"/>
+              <a:t>Does the functionality like compare work between products in our container? </a:t>
+            </a:r>
+          </a:p>
+          <a:p>
+            <a:pPr lvl="1"/>
+            <a:r>
+              <a:rPr lang="en-US" dirty="0"/>
+              <a:t>Can I add methods/functionality one by one to the container object? </a:t>
+            </a:r>
+          </a:p>
+          <a:p>
+            <a:pPr lvl="1"/>
+            <a:endParaRPr lang="en-US" dirty="0"/>
+          </a:p>
+        </p:txBody>
+      </p:sp>
+    </p:spTree>
+    <p:extLst>
+      <p:ext uri="{BB962C8B-B14F-4D97-AF65-F5344CB8AC3E}">
+        <p14:creationId xmlns:p14="http://schemas.microsoft.com/office/powerpoint/2010/main" val="4204150102"/>
+      </p:ext>
+    </p:extLst>
+  </p:cSld>
+  <p:clrMapOvr>
+    <a:masterClrMapping/>
+  </p:clrMapOvr>
+</p:sld>
+</file>
+
+<file path=ppt/slides/slide12.xml><?xml version="1.0" encoding="utf-8"?>
 <p:sld xmlns:a="http://schemas.openxmlformats.org/drawingml/2006/main" xmlns:r="http://schemas.openxmlformats.org/officeDocument/2006/relationships" xmlns:p="http://schemas.openxmlformats.org/presentationml/2006/main">
   <p:cSld>
     <p:spTree>
@@ -3790,7 +4146,7 @@
           <p:cNvPr id="2" name="Title 1">
             <a:extLst>
               <a:ext uri="{FF2B5EF4-FFF2-40B4-BE49-F238E27FC236}">
-                <a16:creationId xmlns:a16="http://schemas.microsoft.com/office/drawing/2014/main" id="{BC9A5AF5-BC54-C786-8D07-79CBF79C6F00}"/>
+                <a16:creationId xmlns:a16="http://schemas.microsoft.com/office/drawing/2014/main" id="{970E2DA5-E5C6-65F5-5090-597B48020558}"/>
               </a:ext>
             </a:extLst>
           </p:cNvPr>
@@ -3808,7 +4164,7 @@
           <a:p>
             <a:r>
               <a:rPr lang="en-US" dirty="0"/>
-              <a:t>ABC Implementation</a:t>
+              <a:t>More Inheritance</a:t>
             </a:r>
           </a:p>
         </p:txBody>
@@ -3818,7 +4174,7 @@
           <p:cNvPr id="3" name="Content Placeholder 2">
             <a:extLst>
               <a:ext uri="{FF2B5EF4-FFF2-40B4-BE49-F238E27FC236}">
-                <a16:creationId xmlns:a16="http://schemas.microsoft.com/office/drawing/2014/main" id="{500089E7-61D9-1075-2DAB-B1AEEB790648}"/>
+                <a16:creationId xmlns:a16="http://schemas.microsoft.com/office/drawing/2014/main" id="{0A40217A-E52C-1952-6A82-64DA77A9395B}"/>
               </a:ext>
             </a:extLst>
           </p:cNvPr>
@@ -3829,122 +4185,64 @@
             <p:ph idx="1"/>
           </p:nvPr>
         </p:nvSpPr>
-        <p:spPr>
+        <p:spPr/>
+        <p:txBody>
+          <a:bodyPr/>
+          <a:lstStyle/>
+          <a:p>
+            <a:endParaRPr lang="en-US" dirty="0"/>
+          </a:p>
+        </p:txBody>
+      </p:sp>
+      <p:pic>
+        <p:nvPicPr>
+          <p:cNvPr id="3074" name="Picture 2" descr="Chart: Inherited Wealth Concentrates Among the Ultra-Rich | Statista">
+            <a:extLst>
+              <a:ext uri="{FF2B5EF4-FFF2-40B4-BE49-F238E27FC236}">
+                <a16:creationId xmlns:a16="http://schemas.microsoft.com/office/drawing/2014/main" id="{1E71FEBE-E687-2A92-BE95-DC9814E38794}"/>
+              </a:ext>
+            </a:extLst>
+          </p:cNvPr>
+          <p:cNvPicPr>
+            <a:picLocks noChangeAspect="1" noChangeArrowheads="1"/>
+          </p:cNvPicPr>
+          <p:nvPr/>
+        </p:nvPicPr>
+        <p:blipFill rotWithShape="1">
+          <a:blip r:embed="rId2">
+            <a:extLst>
+              <a:ext uri="{28A0092B-C50C-407E-A947-70E740481C1C}">
+                <a14:useLocalDpi xmlns:a14="http://schemas.microsoft.com/office/drawing/2010/main" val="0"/>
+              </a:ext>
+            </a:extLst>
+          </a:blip>
+          <a:srcRect b="14613"/>
+          <a:stretch/>
+        </p:blipFill>
+        <p:spPr bwMode="auto">
           <a:xfrm>
-            <a:off x="1451579" y="1853754"/>
-            <a:ext cx="9603275" cy="4199727"/>
+            <a:off x="3124020" y="1782618"/>
+            <a:ext cx="5943960" cy="5075382"/>
           </a:xfrm>
+          <a:prstGeom prst="rect">
+            <a:avLst/>
+          </a:prstGeom>
+          <a:noFill/>
+          <a:extLst>
+            <a:ext uri="{909E8E84-426E-40DD-AFC4-6F175D3DCCD1}">
+              <a14:hiddenFill xmlns:a14="http://schemas.microsoft.com/office/drawing/2010/main">
+                <a:solidFill>
+                  <a:srgbClr val="FFFFFF"/>
+                </a:solidFill>
+              </a14:hiddenFill>
+            </a:ext>
+          </a:extLst>
         </p:spPr>
-        <p:txBody>
-          <a:bodyPr/>
-          <a:lstStyle/>
-          <a:p>
-            <a:r>
-              <a:rPr lang="en-US" dirty="0"/>
-              <a:t>Any object that provides __</a:t>
-            </a:r>
-            <a:r>
-              <a:rPr lang="en-US" dirty="0" err="1"/>
-              <a:t>iter</a:t>
-            </a:r>
-            <a:r>
-              <a:rPr lang="en-US" dirty="0"/>
-              <a:t>__ and __next__ is an </a:t>
-            </a:r>
-            <a:r>
-              <a:rPr lang="en-US" dirty="0" err="1"/>
-              <a:t>iterable</a:t>
-            </a:r>
-            <a:r>
-              <a:rPr lang="en-US" dirty="0"/>
-              <a:t>. </a:t>
-            </a:r>
-          </a:p>
-          <a:p>
-            <a:pPr lvl="1"/>
-            <a:r>
-              <a:rPr lang="en-US" dirty="0"/>
-              <a:t>Officially, “An object capable of returning its members one at a time.”</a:t>
-            </a:r>
-          </a:p>
-          <a:p>
-            <a:r>
-              <a:rPr lang="en-US" dirty="0"/>
-              <a:t>So, an </a:t>
-            </a:r>
-            <a:r>
-              <a:rPr lang="en-US" dirty="0" err="1"/>
-              <a:t>iterable</a:t>
-            </a:r>
-            <a:r>
-              <a:rPr lang="en-US" dirty="0"/>
-              <a:t> isn’t a specific thing, it is a set of requirements that a thing meets. </a:t>
-            </a:r>
-          </a:p>
-          <a:p>
-            <a:pPr lvl="1"/>
-            <a:r>
-              <a:rPr lang="en-US" dirty="0"/>
-              <a:t>Anything that complies with the requirements is effectively an </a:t>
-            </a:r>
-            <a:r>
-              <a:rPr lang="en-US" dirty="0" err="1"/>
-              <a:t>iterable</a:t>
-            </a:r>
-            <a:r>
-              <a:rPr lang="en-US" dirty="0"/>
-              <a:t>. </a:t>
-            </a:r>
-          </a:p>
-          <a:p>
-            <a:pPr lvl="1"/>
-            <a:r>
-              <a:rPr lang="en-US" dirty="0"/>
-              <a:t>Objects can meet the requirements of multiple types of functionality at one time. </a:t>
-            </a:r>
-          </a:p>
-          <a:p>
-            <a:r>
-              <a:rPr lang="en-US" dirty="0"/>
-              <a:t>The ABCs are basically certificates to signify that an object is qualified to be something. </a:t>
-            </a:r>
-          </a:p>
-          <a:p>
-            <a:pPr lvl="1"/>
-            <a:r>
-              <a:rPr lang="en-US" dirty="0"/>
-              <a:t>E.g. my dad’s a welder, he tests to signify that he is a “pressure welder”, “titanium welder”, “contained space welder”, “</a:t>
-            </a:r>
-            <a:r>
-              <a:rPr lang="en-US" dirty="0" err="1"/>
-              <a:t>alumminum</a:t>
-            </a:r>
-            <a:r>
-              <a:rPr lang="en-US" dirty="0"/>
-              <a:t> welder”, “b pressure welder”, </a:t>
-            </a:r>
-            <a:r>
-              <a:rPr lang="en-US" dirty="0" err="1"/>
-              <a:t>etc</a:t>
-            </a:r>
-            <a:r>
-              <a:rPr lang="en-US" dirty="0"/>
-              <a:t>…</a:t>
-            </a:r>
-          </a:p>
-          <a:p>
-            <a:pPr lvl="1"/>
-            <a:r>
-              <a:rPr lang="en-US" dirty="0"/>
-              <a:t>He’s not different, but he’s now “usable” in any of those roles as he meets the requirements. </a:t>
-            </a:r>
-          </a:p>
-        </p:txBody>
-      </p:sp>
+      </p:pic>
     </p:spTree>
     <p:extLst>
       <p:ext uri="{BB962C8B-B14F-4D97-AF65-F5344CB8AC3E}">
-        <p14:creationId xmlns:p14="http://schemas.microsoft.com/office/powerpoint/2010/main" val="1633350690"/>
+        <p14:creationId xmlns:p14="http://schemas.microsoft.com/office/powerpoint/2010/main" val="1154871766"/>
       </p:ext>
     </p:extLst>
   </p:cSld>
@@ -3954,7 +4252,7 @@
 </p:sld>
 </file>
 
-<file path=ppt/slides/slide11.xml><?xml version="1.0" encoding="utf-8"?>
+<file path=ppt/slides/slide13.xml><?xml version="1.0" encoding="utf-8"?>
 <p:sld xmlns:a="http://schemas.openxmlformats.org/drawingml/2006/main" xmlns:r="http://schemas.openxmlformats.org/officeDocument/2006/relationships" xmlns:p="http://schemas.openxmlformats.org/presentationml/2006/main">
   <p:cSld>
     <p:spTree>
@@ -3976,6 +4274,770 @@
           <p:cNvPr id="2" name="Title 1">
             <a:extLst>
               <a:ext uri="{FF2B5EF4-FFF2-40B4-BE49-F238E27FC236}">
+                <a16:creationId xmlns:a16="http://schemas.microsoft.com/office/drawing/2014/main" id="{EFF139EE-5DCD-CAE8-E5DE-000001C82D82}"/>
+              </a:ext>
+            </a:extLst>
+          </p:cNvPr>
+          <p:cNvSpPr>
+            <a:spLocks noGrp="1"/>
+          </p:cNvSpPr>
+          <p:nvPr>
+            <p:ph type="title"/>
+          </p:nvPr>
+        </p:nvSpPr>
+        <p:spPr/>
+        <p:txBody>
+          <a:bodyPr/>
+          <a:lstStyle/>
+          <a:p>
+            <a:r>
+              <a:rPr lang="en-US" dirty="0"/>
+              <a:t>Variable Types</a:t>
+            </a:r>
+          </a:p>
+        </p:txBody>
+      </p:sp>
+      <p:sp>
+        <p:nvSpPr>
+          <p:cNvPr id="3" name="Content Placeholder 2">
+            <a:extLst>
+              <a:ext uri="{FF2B5EF4-FFF2-40B4-BE49-F238E27FC236}">
+                <a16:creationId xmlns:a16="http://schemas.microsoft.com/office/drawing/2014/main" id="{EBFC5E20-484D-E321-8FA6-BCA80189A30C}"/>
+              </a:ext>
+            </a:extLst>
+          </p:cNvPr>
+          <p:cNvSpPr>
+            <a:spLocks noGrp="1"/>
+          </p:cNvSpPr>
+          <p:nvPr>
+            <p:ph idx="1"/>
+          </p:nvPr>
+        </p:nvSpPr>
+        <p:spPr>
+          <a:xfrm>
+            <a:off x="914400" y="1853754"/>
+            <a:ext cx="10475843" cy="4199727"/>
+          </a:xfrm>
+        </p:spPr>
+        <p:txBody>
+          <a:bodyPr>
+            <a:normAutofit/>
+          </a:bodyPr>
+          <a:lstStyle/>
+          <a:p>
+            <a:r>
+              <a:rPr lang="en-US" dirty="0"/>
+              <a:t>In Python, we often pay little attention to the type of object we use:</a:t>
+            </a:r>
+          </a:p>
+          <a:p>
+            <a:pPr lvl="1"/>
+            <a:r>
+              <a:rPr lang="en-US" dirty="0"/>
+              <a:t>Different </a:t>
+            </a:r>
+            <a:r>
+              <a:rPr lang="en-US" dirty="0" err="1"/>
+              <a:t>iterable</a:t>
+            </a:r>
+            <a:r>
+              <a:rPr lang="en-US" dirty="0"/>
+              <a:t> data structures are largely interchangeable. </a:t>
+            </a:r>
+          </a:p>
+          <a:p>
+            <a:pPr lvl="1"/>
+            <a:r>
+              <a:rPr lang="en-US" dirty="0"/>
+              <a:t>We might not convert text data we’ve imported, unless needed for a calculation. </a:t>
+            </a:r>
+          </a:p>
+          <a:p>
+            <a:r>
+              <a:rPr lang="en-US" dirty="0"/>
+              <a:t>For example, if we are printing some values in a list, we can just have print(item) without worrying about what the item is. </a:t>
+            </a:r>
+          </a:p>
+          <a:p>
+            <a:pPr lvl="1"/>
+            <a:r>
+              <a:rPr lang="en-US" dirty="0"/>
+              <a:t>If we want to print an item, it (normally) “knows” how to print itself. </a:t>
+            </a:r>
+          </a:p>
+          <a:p>
+            <a:pPr lvl="1"/>
+            <a:r>
+              <a:rPr lang="en-US" dirty="0"/>
+              <a:t>Ever one of those items is “capable” of what is asked of it, no matter the type. </a:t>
+            </a:r>
+          </a:p>
+          <a:p>
+            <a:pPr lvl="1"/>
+            <a:r>
+              <a:rPr lang="en-US" dirty="0"/>
+              <a:t>This is one of the benefits of OOP – we don’t need to know how to do something, the item knows. </a:t>
+            </a:r>
+          </a:p>
+          <a:p>
+            <a:r>
+              <a:rPr lang="en-US" dirty="0"/>
+              <a:t>In this case, all the objects are ”strings” for this purpose – they do the needed string stuff. </a:t>
+            </a:r>
+          </a:p>
+          <a:p>
+            <a:pPr lvl="1"/>
+            <a:r>
+              <a:rPr lang="en-US" dirty="0"/>
+              <a:t>I.e. Each object can do whatever we need a string to do (here – not always), so what’s the difference? </a:t>
+            </a:r>
+          </a:p>
+        </p:txBody>
+      </p:sp>
+    </p:spTree>
+    <p:extLst>
+      <p:ext uri="{BB962C8B-B14F-4D97-AF65-F5344CB8AC3E}">
+        <p14:creationId xmlns:p14="http://schemas.microsoft.com/office/powerpoint/2010/main" val="3437884765"/>
+      </p:ext>
+    </p:extLst>
+  </p:cSld>
+  <p:clrMapOvr>
+    <a:masterClrMapping/>
+  </p:clrMapOvr>
+</p:sld>
+</file>
+
+<file path=ppt/slides/slide14.xml><?xml version="1.0" encoding="utf-8"?>
+<p:sld xmlns:a="http://schemas.openxmlformats.org/drawingml/2006/main" xmlns:r="http://schemas.openxmlformats.org/officeDocument/2006/relationships" xmlns:p="http://schemas.openxmlformats.org/presentationml/2006/main">
+  <p:cSld>
+    <p:spTree>
+      <p:nvGrpSpPr>
+        <p:cNvPr id="1" name=""/>
+        <p:cNvGrpSpPr/>
+        <p:nvPr/>
+      </p:nvGrpSpPr>
+      <p:grpSpPr>
+        <a:xfrm>
+          <a:off x="0" y="0"/>
+          <a:ext cx="0" cy="0"/>
+          <a:chOff x="0" y="0"/>
+          <a:chExt cx="0" cy="0"/>
+        </a:xfrm>
+      </p:grpSpPr>
+      <p:sp>
+        <p:nvSpPr>
+          <p:cNvPr id="2" name="Title 1">
+            <a:extLst>
+              <a:ext uri="{FF2B5EF4-FFF2-40B4-BE49-F238E27FC236}">
+                <a16:creationId xmlns:a16="http://schemas.microsoft.com/office/drawing/2014/main" id="{9BE9DD2E-7435-988B-3436-0F72AB080A64}"/>
+              </a:ext>
+            </a:extLst>
+          </p:cNvPr>
+          <p:cNvSpPr>
+            <a:spLocks noGrp="1"/>
+          </p:cNvSpPr>
+          <p:nvPr>
+            <p:ph type="title"/>
+          </p:nvPr>
+        </p:nvSpPr>
+        <p:spPr/>
+        <p:txBody>
+          <a:bodyPr/>
+          <a:lstStyle/>
+          <a:p>
+            <a:r>
+              <a:rPr lang="en-US" dirty="0"/>
+              <a:t>Duck Types</a:t>
+            </a:r>
+          </a:p>
+        </p:txBody>
+      </p:sp>
+      <p:sp>
+        <p:nvSpPr>
+          <p:cNvPr id="3" name="Content Placeholder 2">
+            <a:extLst>
+              <a:ext uri="{FF2B5EF4-FFF2-40B4-BE49-F238E27FC236}">
+                <a16:creationId xmlns:a16="http://schemas.microsoft.com/office/drawing/2014/main" id="{9D55B74F-14CE-E084-7DE2-1EADF1860C0B}"/>
+              </a:ext>
+            </a:extLst>
+          </p:cNvPr>
+          <p:cNvSpPr>
+            <a:spLocks noGrp="1"/>
+          </p:cNvSpPr>
+          <p:nvPr>
+            <p:ph idx="1"/>
+          </p:nvPr>
+        </p:nvSpPr>
+        <p:spPr>
+          <a:xfrm>
+            <a:off x="715617" y="1853754"/>
+            <a:ext cx="10475844" cy="4199727"/>
+          </a:xfrm>
+        </p:spPr>
+        <p:txBody>
+          <a:bodyPr>
+            <a:normAutofit/>
+          </a:bodyPr>
+          <a:lstStyle/>
+          <a:p>
+            <a:r>
+              <a:rPr lang="en-US" dirty="0"/>
+              <a:t>These show examples of Duck Typing:</a:t>
+            </a:r>
+          </a:p>
+          <a:p>
+            <a:pPr lvl="1"/>
+            <a:r>
+              <a:rPr lang="en-US" dirty="0"/>
+              <a:t>If it walks like a _____, and talks like a _____, then it is a _____.</a:t>
+            </a:r>
+          </a:p>
+          <a:p>
+            <a:pPr lvl="1"/>
+            <a:r>
+              <a:rPr lang="en-US" dirty="0"/>
+              <a:t>As long as an object can do what is asked of it, then it is as good as one of those objects. </a:t>
+            </a:r>
+          </a:p>
+          <a:p>
+            <a:pPr lvl="1"/>
+            <a:r>
+              <a:rPr lang="en-US" dirty="0"/>
+              <a:t>I.e. if we have a function that finds the largest number in a list, and we give it a Series, that function will (probably) work, so a Series “is” a list in that case. It quacks and walks like one. </a:t>
+            </a:r>
+          </a:p>
+          <a:p>
+            <a:pPr lvl="1"/>
+            <a:r>
+              <a:rPr lang="en-US" dirty="0"/>
+              <a:t>In the card game stuff we made an </a:t>
+            </a:r>
+            <a:r>
+              <a:rPr lang="en-US" dirty="0" err="1"/>
+              <a:t>iterable</a:t>
+            </a:r>
+            <a:r>
+              <a:rPr lang="en-US" dirty="0"/>
+              <a:t> – as long as it does </a:t>
+            </a:r>
+            <a:r>
+              <a:rPr lang="en-US" dirty="0" err="1"/>
+              <a:t>iterable</a:t>
+            </a:r>
+            <a:r>
+              <a:rPr lang="en-US" dirty="0"/>
+              <a:t> stuff, it is one. </a:t>
+            </a:r>
+          </a:p>
+          <a:p>
+            <a:r>
+              <a:rPr lang="en-US" dirty="0"/>
+              <a:t>In other programming languages this isn’t true, you need to declare a type for each object. </a:t>
+            </a:r>
+          </a:p>
+          <a:p>
+            <a:pPr lvl="1"/>
+            <a:r>
+              <a:rPr lang="en-US" dirty="0"/>
+              <a:t>E.g. float a = 4.56 rather than a=4.56 like we’d do now. </a:t>
+            </a:r>
+          </a:p>
+          <a:p>
+            <a:r>
+              <a:rPr lang="en-US" dirty="0"/>
+              <a:t>We don’t need “An X”, we just need something that can do that stuff.</a:t>
+            </a:r>
+          </a:p>
+        </p:txBody>
+      </p:sp>
+      <p:pic>
+        <p:nvPicPr>
+          <p:cNvPr id="2050" name="Picture 2" descr="Abstract Method vs Duck Typing in Python | by Vidip Malhotra | Medium">
+            <a:extLst>
+              <a:ext uri="{FF2B5EF4-FFF2-40B4-BE49-F238E27FC236}">
+                <a16:creationId xmlns:a16="http://schemas.microsoft.com/office/drawing/2014/main" id="{A1BAD592-BB0F-75C2-8822-6D7B9900B43B}"/>
+              </a:ext>
+            </a:extLst>
+          </p:cNvPr>
+          <p:cNvPicPr>
+            <a:picLocks noChangeAspect="1" noChangeArrowheads="1"/>
+          </p:cNvPicPr>
+          <p:nvPr/>
+        </p:nvPicPr>
+        <p:blipFill>
+          <a:blip r:embed="rId2">
+            <a:extLst>
+              <a:ext uri="{28A0092B-C50C-407E-A947-70E740481C1C}">
+                <a14:useLocalDpi xmlns:a14="http://schemas.microsoft.com/office/drawing/2010/main" val="0"/>
+              </a:ext>
+            </a:extLst>
+          </a:blip>
+          <a:srcRect/>
+          <a:stretch>
+            <a:fillRect/>
+          </a:stretch>
+        </p:blipFill>
+        <p:spPr bwMode="auto">
+          <a:xfrm>
+            <a:off x="8249778" y="4703634"/>
+            <a:ext cx="3942222" cy="2154366"/>
+          </a:xfrm>
+          <a:prstGeom prst="rect">
+            <a:avLst/>
+          </a:prstGeom>
+          <a:noFill/>
+          <a:extLst>
+            <a:ext uri="{909E8E84-426E-40DD-AFC4-6F175D3DCCD1}">
+              <a14:hiddenFill xmlns:a14="http://schemas.microsoft.com/office/drawing/2010/main">
+                <a:solidFill>
+                  <a:srgbClr val="FFFFFF"/>
+                </a:solidFill>
+              </a14:hiddenFill>
+            </a:ext>
+          </a:extLst>
+        </p:spPr>
+      </p:pic>
+    </p:spTree>
+    <p:extLst>
+      <p:ext uri="{BB962C8B-B14F-4D97-AF65-F5344CB8AC3E}">
+        <p14:creationId xmlns:p14="http://schemas.microsoft.com/office/powerpoint/2010/main" val="55520113"/>
+      </p:ext>
+    </p:extLst>
+  </p:cSld>
+  <p:clrMapOvr>
+    <a:masterClrMapping/>
+  </p:clrMapOvr>
+</p:sld>
+</file>
+
+<file path=ppt/slides/slide15.xml><?xml version="1.0" encoding="utf-8"?>
+<p:sld xmlns:a="http://schemas.openxmlformats.org/drawingml/2006/main" xmlns:r="http://schemas.openxmlformats.org/officeDocument/2006/relationships" xmlns:p="http://schemas.openxmlformats.org/presentationml/2006/main">
+  <p:cSld>
+    <p:spTree>
+      <p:nvGrpSpPr>
+        <p:cNvPr id="1" name=""/>
+        <p:cNvGrpSpPr/>
+        <p:nvPr/>
+      </p:nvGrpSpPr>
+      <p:grpSpPr>
+        <a:xfrm>
+          <a:off x="0" y="0"/>
+          <a:ext cx="0" cy="0"/>
+          <a:chOff x="0" y="0"/>
+          <a:chExt cx="0" cy="0"/>
+        </a:xfrm>
+      </p:grpSpPr>
+      <p:sp>
+        <p:nvSpPr>
+          <p:cNvPr id="2" name="Title 1">
+            <a:extLst>
+              <a:ext uri="{FF2B5EF4-FFF2-40B4-BE49-F238E27FC236}">
+                <a16:creationId xmlns:a16="http://schemas.microsoft.com/office/drawing/2014/main" id="{D7858A49-8376-3714-4C4D-C5B3CF88CFE9}"/>
+              </a:ext>
+            </a:extLst>
+          </p:cNvPr>
+          <p:cNvSpPr>
+            <a:spLocks noGrp="1"/>
+          </p:cNvSpPr>
+          <p:nvPr>
+            <p:ph type="title"/>
+          </p:nvPr>
+        </p:nvSpPr>
+        <p:spPr/>
+        <p:txBody>
+          <a:bodyPr/>
+          <a:lstStyle/>
+          <a:p>
+            <a:r>
+              <a:rPr lang="en-US" dirty="0"/>
+              <a:t>Abstract Base Classes (ABC)</a:t>
+            </a:r>
+          </a:p>
+        </p:txBody>
+      </p:sp>
+      <p:sp>
+        <p:nvSpPr>
+          <p:cNvPr id="3" name="Content Placeholder 2">
+            <a:extLst>
+              <a:ext uri="{FF2B5EF4-FFF2-40B4-BE49-F238E27FC236}">
+                <a16:creationId xmlns:a16="http://schemas.microsoft.com/office/drawing/2014/main" id="{C7B0F21D-ACF1-DF8C-A458-63FC228565F9}"/>
+              </a:ext>
+            </a:extLst>
+          </p:cNvPr>
+          <p:cNvSpPr>
+            <a:spLocks noGrp="1"/>
+          </p:cNvSpPr>
+          <p:nvPr>
+            <p:ph idx="1"/>
+          </p:nvPr>
+        </p:nvSpPr>
+        <p:spPr>
+          <a:xfrm>
+            <a:off x="1451579" y="1938130"/>
+            <a:ext cx="9603275" cy="4115351"/>
+          </a:xfrm>
+        </p:spPr>
+        <p:txBody>
+          <a:bodyPr/>
+          <a:lstStyle/>
+          <a:p>
+            <a:r>
+              <a:rPr lang="en-US" dirty="0"/>
+              <a:t>Abstract base classes are a tool to help make inheriting functionality easier. </a:t>
+            </a:r>
+          </a:p>
+          <a:p>
+            <a:r>
+              <a:rPr lang="en-US" dirty="0"/>
+              <a:t>ABCs are classes that define some functionality, but can’t exist as their own thing. </a:t>
+            </a:r>
+          </a:p>
+          <a:p>
+            <a:pPr lvl="1"/>
+            <a:r>
+              <a:rPr lang="en-US" dirty="0"/>
+              <a:t>I.e. we can’t instantiate a new object of an ABC class, it must be extended. </a:t>
+            </a:r>
+          </a:p>
+          <a:p>
+            <a:r>
+              <a:rPr lang="en-US" dirty="0"/>
+              <a:t>ABCs compliment Duck Typing:</a:t>
+            </a:r>
+          </a:p>
+          <a:p>
+            <a:pPr lvl="1"/>
+            <a:r>
+              <a:rPr lang="en-US" dirty="0"/>
+              <a:t>We can “implement an interface” of an ABC to make it “act as one” of what we inherit. </a:t>
+            </a:r>
+          </a:p>
+          <a:p>
+            <a:pPr lvl="1"/>
+            <a:r>
+              <a:rPr lang="en-US" dirty="0"/>
+              <a:t>When asking things like </a:t>
+            </a:r>
+            <a:r>
+              <a:rPr lang="en-US" dirty="0" err="1"/>
+              <a:t>isinstance</a:t>
+            </a:r>
+            <a:r>
+              <a:rPr lang="en-US" dirty="0"/>
+              <a:t>(), this will make them provide the right answer. </a:t>
+            </a:r>
+          </a:p>
+          <a:p>
+            <a:pPr lvl="1"/>
+            <a:r>
+              <a:rPr lang="en-US" dirty="0"/>
+              <a:t>“As long as we provide this stuff, then our object can function as this object”. </a:t>
+            </a:r>
+          </a:p>
+          <a:p>
+            <a:r>
+              <a:rPr lang="en-US" dirty="0"/>
+              <a:t>As long as we implement whatever is “needed” then our object will act as the ABC. </a:t>
+            </a:r>
+          </a:p>
+        </p:txBody>
+      </p:sp>
+    </p:spTree>
+    <p:extLst>
+      <p:ext uri="{BB962C8B-B14F-4D97-AF65-F5344CB8AC3E}">
+        <p14:creationId xmlns:p14="http://schemas.microsoft.com/office/powerpoint/2010/main" val="1832535387"/>
+      </p:ext>
+    </p:extLst>
+  </p:cSld>
+  <p:clrMapOvr>
+    <a:masterClrMapping/>
+  </p:clrMapOvr>
+</p:sld>
+</file>
+
+<file path=ppt/slides/slide16.xml><?xml version="1.0" encoding="utf-8"?>
+<p:sld xmlns:a="http://schemas.openxmlformats.org/drawingml/2006/main" xmlns:r="http://schemas.openxmlformats.org/officeDocument/2006/relationships" xmlns:p="http://schemas.openxmlformats.org/presentationml/2006/main">
+  <p:cSld>
+    <p:spTree>
+      <p:nvGrpSpPr>
+        <p:cNvPr id="1" name=""/>
+        <p:cNvGrpSpPr/>
+        <p:nvPr/>
+      </p:nvGrpSpPr>
+      <p:grpSpPr>
+        <a:xfrm>
+          <a:off x="0" y="0"/>
+          <a:ext cx="0" cy="0"/>
+          <a:chOff x="0" y="0"/>
+          <a:chExt cx="0" cy="0"/>
+        </a:xfrm>
+      </p:grpSpPr>
+      <p:sp>
+        <p:nvSpPr>
+          <p:cNvPr id="2" name="Title 1">
+            <a:extLst>
+              <a:ext uri="{FF2B5EF4-FFF2-40B4-BE49-F238E27FC236}">
+                <a16:creationId xmlns:a16="http://schemas.microsoft.com/office/drawing/2014/main" id="{BC9A5AF5-BC54-C786-8D07-79CBF79C6F00}"/>
+              </a:ext>
+            </a:extLst>
+          </p:cNvPr>
+          <p:cNvSpPr>
+            <a:spLocks noGrp="1"/>
+          </p:cNvSpPr>
+          <p:nvPr>
+            <p:ph type="title"/>
+          </p:nvPr>
+        </p:nvSpPr>
+        <p:spPr/>
+        <p:txBody>
+          <a:bodyPr/>
+          <a:lstStyle/>
+          <a:p>
+            <a:r>
+              <a:rPr lang="en-US" dirty="0"/>
+              <a:t>ABC Implementation</a:t>
+            </a:r>
+          </a:p>
+        </p:txBody>
+      </p:sp>
+      <p:sp>
+        <p:nvSpPr>
+          <p:cNvPr id="3" name="Content Placeholder 2">
+            <a:extLst>
+              <a:ext uri="{FF2B5EF4-FFF2-40B4-BE49-F238E27FC236}">
+                <a16:creationId xmlns:a16="http://schemas.microsoft.com/office/drawing/2014/main" id="{500089E7-61D9-1075-2DAB-B1AEEB790648}"/>
+              </a:ext>
+            </a:extLst>
+          </p:cNvPr>
+          <p:cNvSpPr>
+            <a:spLocks noGrp="1"/>
+          </p:cNvSpPr>
+          <p:nvPr>
+            <p:ph idx="1"/>
+          </p:nvPr>
+        </p:nvSpPr>
+        <p:spPr>
+          <a:xfrm>
+            <a:off x="1451579" y="1853754"/>
+            <a:ext cx="9603275" cy="4199727"/>
+          </a:xfrm>
+        </p:spPr>
+        <p:txBody>
+          <a:bodyPr/>
+          <a:lstStyle/>
+          <a:p>
+            <a:r>
+              <a:rPr lang="en-US" dirty="0"/>
+              <a:t>Any object that provides __</a:t>
+            </a:r>
+            <a:r>
+              <a:rPr lang="en-US" dirty="0" err="1"/>
+              <a:t>iter</a:t>
+            </a:r>
+            <a:r>
+              <a:rPr lang="en-US" dirty="0"/>
+              <a:t>__ and __next__ is an </a:t>
+            </a:r>
+            <a:r>
+              <a:rPr lang="en-US" dirty="0" err="1"/>
+              <a:t>iterable</a:t>
+            </a:r>
+            <a:r>
+              <a:rPr lang="en-US" dirty="0"/>
+              <a:t>. </a:t>
+            </a:r>
+          </a:p>
+          <a:p>
+            <a:pPr lvl="1"/>
+            <a:r>
+              <a:rPr lang="en-US" dirty="0"/>
+              <a:t>Officially, “An object capable of returning its members one at a time.”</a:t>
+            </a:r>
+          </a:p>
+          <a:p>
+            <a:r>
+              <a:rPr lang="en-US" dirty="0"/>
+              <a:t>So, an </a:t>
+            </a:r>
+            <a:r>
+              <a:rPr lang="en-US" dirty="0" err="1"/>
+              <a:t>iterable</a:t>
+            </a:r>
+            <a:r>
+              <a:rPr lang="en-US" dirty="0"/>
+              <a:t> isn’t a specific thing, it is a set of requirements that a thing meets. </a:t>
+            </a:r>
+          </a:p>
+          <a:p>
+            <a:pPr lvl="1"/>
+            <a:r>
+              <a:rPr lang="en-US" dirty="0"/>
+              <a:t>Anything that complies with the requirements is effectively an </a:t>
+            </a:r>
+            <a:r>
+              <a:rPr lang="en-US" dirty="0" err="1"/>
+              <a:t>iterable</a:t>
+            </a:r>
+            <a:r>
+              <a:rPr lang="en-US" dirty="0"/>
+              <a:t>. </a:t>
+            </a:r>
+          </a:p>
+          <a:p>
+            <a:pPr lvl="1"/>
+            <a:r>
+              <a:rPr lang="en-US" dirty="0"/>
+              <a:t>Objects can meet the requirements of multiple types of functionality at one time. </a:t>
+            </a:r>
+          </a:p>
+          <a:p>
+            <a:r>
+              <a:rPr lang="en-US" dirty="0"/>
+              <a:t>The ABCs are basically certificates to signify that an object is qualified to be something. </a:t>
+            </a:r>
+          </a:p>
+          <a:p>
+            <a:pPr lvl="1"/>
+            <a:r>
+              <a:rPr lang="en-US" dirty="0"/>
+              <a:t>E.g. my dad’s a welder, he tests to signify that he is a “pressure welder”, “titanium welder”, “contained space welder”, “aluminum welder”, “b pressure welder”, </a:t>
+            </a:r>
+            <a:r>
+              <a:rPr lang="en-US" dirty="0" err="1"/>
+              <a:t>etc</a:t>
+            </a:r>
+            <a:r>
+              <a:rPr lang="en-US" dirty="0"/>
+              <a:t>…</a:t>
+            </a:r>
+          </a:p>
+          <a:p>
+            <a:pPr lvl="1"/>
+            <a:r>
+              <a:rPr lang="en-US" dirty="0"/>
+              <a:t>He’s not different, but he’s now “usable” in any of those roles as he meets the requirements. </a:t>
+            </a:r>
+          </a:p>
+        </p:txBody>
+      </p:sp>
+    </p:spTree>
+    <p:extLst>
+      <p:ext uri="{BB962C8B-B14F-4D97-AF65-F5344CB8AC3E}">
+        <p14:creationId xmlns:p14="http://schemas.microsoft.com/office/powerpoint/2010/main" val="1633350690"/>
+      </p:ext>
+    </p:extLst>
+  </p:cSld>
+  <p:clrMapOvr>
+    <a:masterClrMapping/>
+  </p:clrMapOvr>
+</p:sld>
+</file>
+
+<file path=ppt/slides/slide17.xml><?xml version="1.0" encoding="utf-8"?>
+<p:sld xmlns:a="http://schemas.openxmlformats.org/drawingml/2006/main" xmlns:r="http://schemas.openxmlformats.org/officeDocument/2006/relationships" xmlns:p="http://schemas.openxmlformats.org/presentationml/2006/main">
+  <p:cSld>
+    <p:spTree>
+      <p:nvGrpSpPr>
+        <p:cNvPr id="1" name=""/>
+        <p:cNvGrpSpPr/>
+        <p:nvPr/>
+      </p:nvGrpSpPr>
+      <p:grpSpPr>
+        <a:xfrm>
+          <a:off x="0" y="0"/>
+          <a:ext cx="0" cy="0"/>
+          <a:chOff x="0" y="0"/>
+          <a:chExt cx="0" cy="0"/>
+        </a:xfrm>
+      </p:grpSpPr>
+      <p:sp>
+        <p:nvSpPr>
+          <p:cNvPr id="2" name="Title 1">
+            <a:extLst>
+              <a:ext uri="{FF2B5EF4-FFF2-40B4-BE49-F238E27FC236}">
+                <a16:creationId xmlns:a16="http://schemas.microsoft.com/office/drawing/2014/main" id="{755F73F7-F739-4E05-96A3-294CCAF0DC68}"/>
+              </a:ext>
+            </a:extLst>
+          </p:cNvPr>
+          <p:cNvSpPr>
+            <a:spLocks noGrp="1"/>
+          </p:cNvSpPr>
+          <p:nvPr>
+            <p:ph type="title"/>
+          </p:nvPr>
+        </p:nvSpPr>
+        <p:spPr/>
+        <p:txBody>
+          <a:bodyPr/>
+          <a:lstStyle/>
+          <a:p>
+            <a:r>
+              <a:rPr lang="en-US" dirty="0"/>
+              <a:t>Collections</a:t>
+            </a:r>
+          </a:p>
+        </p:txBody>
+      </p:sp>
+      <p:sp>
+        <p:nvSpPr>
+          <p:cNvPr id="3" name="Content Placeholder 2">
+            <a:extLst>
+              <a:ext uri="{FF2B5EF4-FFF2-40B4-BE49-F238E27FC236}">
+                <a16:creationId xmlns:a16="http://schemas.microsoft.com/office/drawing/2014/main" id="{E302F7FB-B458-CFD9-F737-9D1D40AD46FB}"/>
+              </a:ext>
+            </a:extLst>
+          </p:cNvPr>
+          <p:cNvSpPr>
+            <a:spLocks noGrp="1"/>
+          </p:cNvSpPr>
+          <p:nvPr>
+            <p:ph idx="1"/>
+          </p:nvPr>
+        </p:nvSpPr>
+        <p:spPr/>
+        <p:txBody>
+          <a:bodyPr/>
+          <a:lstStyle/>
+          <a:p>
+            <a:endParaRPr lang="en-US"/>
+          </a:p>
+        </p:txBody>
+      </p:sp>
+    </p:spTree>
+    <p:extLst>
+      <p:ext uri="{BB962C8B-B14F-4D97-AF65-F5344CB8AC3E}">
+        <p14:creationId xmlns:p14="http://schemas.microsoft.com/office/powerpoint/2010/main" val="1184341550"/>
+      </p:ext>
+    </p:extLst>
+  </p:cSld>
+  <p:clrMapOvr>
+    <a:masterClrMapping/>
+  </p:clrMapOvr>
+</p:sld>
+</file>
+
+<file path=ppt/slides/slide18.xml><?xml version="1.0" encoding="utf-8"?>
+<p:sld xmlns:a="http://schemas.openxmlformats.org/drawingml/2006/main" xmlns:r="http://schemas.openxmlformats.org/officeDocument/2006/relationships" xmlns:p="http://schemas.openxmlformats.org/presentationml/2006/main">
+  <p:cSld>
+    <p:spTree>
+      <p:nvGrpSpPr>
+        <p:cNvPr id="1" name=""/>
+        <p:cNvGrpSpPr/>
+        <p:nvPr/>
+      </p:nvGrpSpPr>
+      <p:grpSpPr>
+        <a:xfrm>
+          <a:off x="0" y="0"/>
+          <a:ext cx="0" cy="0"/>
+          <a:chOff x="0" y="0"/>
+          <a:chExt cx="0" cy="0"/>
+        </a:xfrm>
+      </p:grpSpPr>
+      <p:sp>
+        <p:nvSpPr>
+          <p:cNvPr id="2" name="Title 1">
+            <a:extLst>
+              <a:ext uri="{FF2B5EF4-FFF2-40B4-BE49-F238E27FC236}">
                 <a16:creationId xmlns:a16="http://schemas.microsoft.com/office/drawing/2014/main" id="{9C1B9678-C841-1B99-F5A0-FDA66F6C4446}"/>
               </a:ext>
             </a:extLst>
@@ -4114,7 +5176,7 @@
 </p:sld>
 </file>
 
-<file path=ppt/slides/slide12.xml><?xml version="1.0" encoding="utf-8"?>
+<file path=ppt/slides/slide19.xml><?xml version="1.0" encoding="utf-8"?>
 <p:sld xmlns:a="http://schemas.openxmlformats.org/drawingml/2006/main" xmlns:r="http://schemas.openxmlformats.org/officeDocument/2006/relationships" xmlns:p="http://schemas.openxmlformats.org/presentationml/2006/main">
   <p:cSld>
     <p:spTree>
@@ -4288,7 +5350,7 @@
 </p:sld>
 </file>
 
-<file path=ppt/slides/slide13.xml><?xml version="1.0" encoding="utf-8"?>
+<file path=ppt/slides/slide2.xml><?xml version="1.0" encoding="utf-8"?>
 <p:sld xmlns:a="http://schemas.openxmlformats.org/drawingml/2006/main" xmlns:r="http://schemas.openxmlformats.org/officeDocument/2006/relationships" xmlns:p="http://schemas.openxmlformats.org/presentationml/2006/main">
   <p:cSld>
     <p:spTree>
@@ -4310,7 +5372,7 @@
           <p:cNvPr id="2" name="Title 1">
             <a:extLst>
               <a:ext uri="{FF2B5EF4-FFF2-40B4-BE49-F238E27FC236}">
-                <a16:creationId xmlns:a16="http://schemas.microsoft.com/office/drawing/2014/main" id="{D5526080-0F90-6B3B-6B88-72A3404EC993}"/>
+                <a16:creationId xmlns:a16="http://schemas.microsoft.com/office/drawing/2014/main" id="{A651C19C-F7D5-8AE9-C61B-AD970631BB2A}"/>
               </a:ext>
             </a:extLst>
           </p:cNvPr>
@@ -4328,7 +5390,7 @@
           <a:p>
             <a:r>
               <a:rPr lang="en-US" dirty="0"/>
-              <a:t>Decorators</a:t>
+              <a:t>Housekeeping</a:t>
             </a:r>
           </a:p>
         </p:txBody>
@@ -4338,7 +5400,7 @@
           <p:cNvPr id="3" name="Content Placeholder 2">
             <a:extLst>
               <a:ext uri="{FF2B5EF4-FFF2-40B4-BE49-F238E27FC236}">
-                <a16:creationId xmlns:a16="http://schemas.microsoft.com/office/drawing/2014/main" id="{859E8646-D6BB-4FE2-A573-C299ACE7A8A6}"/>
+                <a16:creationId xmlns:a16="http://schemas.microsoft.com/office/drawing/2014/main" id="{302A4997-CCA2-F96F-D19A-E9233215623A}"/>
               </a:ext>
             </a:extLst>
           </p:cNvPr>
@@ -4351,81 +5413,97 @@
         </p:nvSpPr>
         <p:spPr>
           <a:xfrm>
-            <a:off x="1451579" y="1853754"/>
-            <a:ext cx="9603275" cy="4199727"/>
+            <a:off x="648070" y="1853754"/>
+            <a:ext cx="11159231" cy="4199727"/>
           </a:xfrm>
         </p:spPr>
         <p:txBody>
-          <a:bodyPr/>
-          <a:lstStyle/>
-          <a:p>
-            <a:r>
-              <a:rPr lang="en-US" dirty="0" err="1"/>
-              <a:t>Absctract</a:t>
-            </a:r>
-            <a:r>
-              <a:rPr lang="en-US" dirty="0"/>
-              <a:t> methods use Decorators, a label that adds functionality to items. </a:t>
-            </a:r>
-          </a:p>
-          <a:p>
-            <a:pPr lvl="1"/>
-            <a:r>
-              <a:rPr lang="en-US" dirty="0"/>
-              <a:t>The static method labels that we’ve used before are a decorator. </a:t>
-            </a:r>
-          </a:p>
-          <a:p>
-            <a:pPr lvl="1"/>
-            <a:r>
-              <a:rPr lang="en-US" dirty="0"/>
-              <a:t>The decorator is like a configuration switch, that tells Python to do something different. </a:t>
-            </a:r>
-          </a:p>
-          <a:p>
-            <a:r>
-              <a:rPr lang="en-US" dirty="0"/>
-              <a:t>In parent classes, abstract methods have a @</a:t>
-            </a:r>
-            <a:r>
-              <a:rPr lang="en-US" dirty="0" err="1"/>
-              <a:t>abstractmethod</a:t>
-            </a:r>
-            <a:r>
-              <a:rPr lang="en-US" dirty="0"/>
-              <a:t> decorator. </a:t>
-            </a:r>
-          </a:p>
-          <a:p>
-            <a:pPr lvl="1"/>
-            <a:r>
-              <a:rPr lang="en-US" dirty="0"/>
-              <a:t>This indicates that this MUST be implemented to allow a class to be instantiated. </a:t>
-            </a:r>
-          </a:p>
-          <a:p>
-            <a:r>
-              <a:rPr lang="en-US" dirty="0"/>
-              <a:t>In general, decorators are fairly commonly seen in more complex code. </a:t>
-            </a:r>
-          </a:p>
-          <a:p>
-            <a:pPr lvl="1"/>
-            <a:r>
-              <a:rPr lang="en-US" dirty="0"/>
-              <a:t>If we’re comfortable with what the limited subset that we see do, that’s fine. </a:t>
-            </a:r>
-          </a:p>
-          <a:p>
-            <a:pPr lvl="1"/>
-            <a:endParaRPr lang="en-US" dirty="0"/>
+          <a:bodyPr>
+            <a:normAutofit/>
+          </a:bodyPr>
+          <a:lstStyle/>
+          <a:p>
+            <a:r>
+              <a:rPr lang="en-US" dirty="0"/>
+              <a:t>Assignment:</a:t>
+            </a:r>
+          </a:p>
+          <a:p>
+            <a:pPr lvl="1"/>
+            <a:r>
+              <a:rPr lang="en-US" dirty="0"/>
+              <a:t>I’m still marking, it was my mom’s 70</a:t>
+            </a:r>
+            <a:r>
+              <a:rPr lang="en-US" baseline="30000" dirty="0"/>
+              <a:t>th</a:t>
+            </a:r>
+            <a:r>
+              <a:rPr lang="en-US" dirty="0"/>
+              <a:t> over the weekend, and wrangling old people is time consuming. </a:t>
+            </a:r>
+          </a:p>
+          <a:p>
+            <a:r>
+              <a:rPr lang="en-US" dirty="0"/>
+              <a:t>Review exercise workbook:</a:t>
+            </a:r>
+          </a:p>
+          <a:p>
+            <a:pPr lvl="1"/>
+            <a:r>
+              <a:rPr lang="en-US" dirty="0"/>
+              <a:t>There are parts that should touch on all of the larger things that we’ve gone over. </a:t>
+            </a:r>
+          </a:p>
+          <a:p>
+            <a:pPr lvl="1"/>
+            <a:r>
+              <a:rPr lang="en-US" dirty="0"/>
+              <a:t>Each part is pretty open ended, you can solve it in several ways. </a:t>
+            </a:r>
+          </a:p>
+          <a:p>
+            <a:pPr lvl="1"/>
+            <a:r>
+              <a:rPr lang="en-US" dirty="0"/>
+              <a:t>If something is easy for you, don’t worry about it. If it is hard, work on that, ask questions, and if you need another exercise there are some in the book, I can make one up, or we can find something. </a:t>
+            </a:r>
+          </a:p>
+          <a:p>
+            <a:pPr lvl="1"/>
+            <a:r>
+              <a:rPr lang="en-US" dirty="0"/>
+              <a:t>Also, check the end of chapter exercises, we’ve covered (virtually) the entire book. </a:t>
+            </a:r>
+          </a:p>
+          <a:p>
+            <a:r>
+              <a:rPr lang="en-US" dirty="0"/>
+              <a:t>With a few specific exceptions, we have covered the concepts in the text(s) – read for depth. </a:t>
+            </a:r>
+          </a:p>
+          <a:p>
+            <a:pPr lvl="1"/>
+            <a:r>
+              <a:rPr lang="en-US" dirty="0"/>
+              <a:t>Read it and see if things make sense, if you hit a point of </a:t>
+            </a:r>
+            <a:r>
+              <a:rPr lang="en-US" i="1" dirty="0"/>
+              <a:t>do what to the what? </a:t>
+            </a:r>
+            <a:r>
+              <a:rPr lang="en-US" dirty="0"/>
+              <a:t>That’s probably what to review. </a:t>
+            </a:r>
           </a:p>
         </p:txBody>
       </p:sp>
     </p:spTree>
     <p:extLst>
       <p:ext uri="{BB962C8B-B14F-4D97-AF65-F5344CB8AC3E}">
-        <p14:creationId xmlns:p14="http://schemas.microsoft.com/office/powerpoint/2010/main" val="1726607488"/>
+        <p14:creationId xmlns:p14="http://schemas.microsoft.com/office/powerpoint/2010/main" val="2230811378"/>
       </p:ext>
     </p:extLst>
   </p:cSld>
@@ -4435,7 +5513,7 @@
 </p:sld>
 </file>
 
-<file path=ppt/slides/slide14.xml><?xml version="1.0" encoding="utf-8"?>
+<file path=ppt/slides/slide20.xml><?xml version="1.0" encoding="utf-8"?>
 <p:sld xmlns:a="http://schemas.openxmlformats.org/drawingml/2006/main" xmlns:r="http://schemas.openxmlformats.org/officeDocument/2006/relationships" xmlns:p="http://schemas.openxmlformats.org/presentationml/2006/main">
   <p:cSld>
     <p:spTree>
@@ -4457,6 +5535,328 @@
           <p:cNvPr id="2" name="Title 1">
             <a:extLst>
               <a:ext uri="{FF2B5EF4-FFF2-40B4-BE49-F238E27FC236}">
+                <a16:creationId xmlns:a16="http://schemas.microsoft.com/office/drawing/2014/main" id="{D5526080-0F90-6B3B-6B88-72A3404EC993}"/>
+              </a:ext>
+            </a:extLst>
+          </p:cNvPr>
+          <p:cNvSpPr>
+            <a:spLocks noGrp="1"/>
+          </p:cNvSpPr>
+          <p:nvPr>
+            <p:ph type="title"/>
+          </p:nvPr>
+        </p:nvSpPr>
+        <p:spPr/>
+        <p:txBody>
+          <a:bodyPr/>
+          <a:lstStyle/>
+          <a:p>
+            <a:r>
+              <a:rPr lang="en-US" dirty="0"/>
+              <a:t>Decorators</a:t>
+            </a:r>
+          </a:p>
+        </p:txBody>
+      </p:sp>
+      <p:sp>
+        <p:nvSpPr>
+          <p:cNvPr id="3" name="Content Placeholder 2">
+            <a:extLst>
+              <a:ext uri="{FF2B5EF4-FFF2-40B4-BE49-F238E27FC236}">
+                <a16:creationId xmlns:a16="http://schemas.microsoft.com/office/drawing/2014/main" id="{859E8646-D6BB-4FE2-A573-C299ACE7A8A6}"/>
+              </a:ext>
+            </a:extLst>
+          </p:cNvPr>
+          <p:cNvSpPr>
+            <a:spLocks noGrp="1"/>
+          </p:cNvSpPr>
+          <p:nvPr>
+            <p:ph idx="1"/>
+          </p:nvPr>
+        </p:nvSpPr>
+        <p:spPr>
+          <a:xfrm>
+            <a:off x="1451579" y="1853754"/>
+            <a:ext cx="9603275" cy="4199727"/>
+          </a:xfrm>
+        </p:spPr>
+        <p:txBody>
+          <a:bodyPr/>
+          <a:lstStyle/>
+          <a:p>
+            <a:r>
+              <a:rPr lang="en-US" dirty="0" err="1"/>
+              <a:t>Absctract</a:t>
+            </a:r>
+            <a:r>
+              <a:rPr lang="en-US" dirty="0"/>
+              <a:t> methods use Decorators, a label that adds functionality to items. </a:t>
+            </a:r>
+          </a:p>
+          <a:p>
+            <a:pPr lvl="1"/>
+            <a:r>
+              <a:rPr lang="en-US" dirty="0"/>
+              <a:t>The static method labels that we’ve used before are a decorator. </a:t>
+            </a:r>
+          </a:p>
+          <a:p>
+            <a:pPr lvl="1"/>
+            <a:r>
+              <a:rPr lang="en-US" dirty="0"/>
+              <a:t>The decorator is like a configuration switch, that tells Python to do something different. </a:t>
+            </a:r>
+          </a:p>
+          <a:p>
+            <a:r>
+              <a:rPr lang="en-US" dirty="0"/>
+              <a:t>In parent classes, abstract methods have a @</a:t>
+            </a:r>
+            <a:r>
+              <a:rPr lang="en-US" dirty="0" err="1"/>
+              <a:t>abstractmethod</a:t>
+            </a:r>
+            <a:r>
+              <a:rPr lang="en-US" dirty="0"/>
+              <a:t> decorator. </a:t>
+            </a:r>
+          </a:p>
+          <a:p>
+            <a:pPr lvl="1"/>
+            <a:r>
+              <a:rPr lang="en-US" dirty="0"/>
+              <a:t>This indicates that this MUST be implemented to allow a class to be instantiated. </a:t>
+            </a:r>
+          </a:p>
+          <a:p>
+            <a:r>
+              <a:rPr lang="en-US" dirty="0"/>
+              <a:t>In general, decorators are fairly commonly seen in more complex code. </a:t>
+            </a:r>
+          </a:p>
+          <a:p>
+            <a:pPr lvl="1"/>
+            <a:r>
+              <a:rPr lang="en-US" dirty="0"/>
+              <a:t>If we’re comfortable with what the limited subset that we see do, that’s fine. </a:t>
+            </a:r>
+          </a:p>
+          <a:p>
+            <a:pPr lvl="1"/>
+            <a:endParaRPr lang="en-US" dirty="0"/>
+          </a:p>
+        </p:txBody>
+      </p:sp>
+    </p:spTree>
+    <p:extLst>
+      <p:ext uri="{BB962C8B-B14F-4D97-AF65-F5344CB8AC3E}">
+        <p14:creationId xmlns:p14="http://schemas.microsoft.com/office/powerpoint/2010/main" val="1726607488"/>
+      </p:ext>
+    </p:extLst>
+  </p:cSld>
+  <p:clrMapOvr>
+    <a:masterClrMapping/>
+  </p:clrMapOvr>
+</p:sld>
+</file>
+
+<file path=ppt/slides/slide21.xml><?xml version="1.0" encoding="utf-8"?>
+<p:sld xmlns:a="http://schemas.openxmlformats.org/drawingml/2006/main" xmlns:r="http://schemas.openxmlformats.org/officeDocument/2006/relationships" xmlns:p="http://schemas.openxmlformats.org/presentationml/2006/main">
+  <p:cSld>
+    <p:spTree>
+      <p:nvGrpSpPr>
+        <p:cNvPr id="1" name=""/>
+        <p:cNvGrpSpPr/>
+        <p:nvPr/>
+      </p:nvGrpSpPr>
+      <p:grpSpPr>
+        <a:xfrm>
+          <a:off x="0" y="0"/>
+          <a:ext cx="0" cy="0"/>
+          <a:chOff x="0" y="0"/>
+          <a:chExt cx="0" cy="0"/>
+        </a:xfrm>
+      </p:grpSpPr>
+      <p:sp>
+        <p:nvSpPr>
+          <p:cNvPr id="2" name="Title 1">
+            <a:extLst>
+              <a:ext uri="{FF2B5EF4-FFF2-40B4-BE49-F238E27FC236}">
+                <a16:creationId xmlns:a16="http://schemas.microsoft.com/office/drawing/2014/main" id="{FE29515F-F856-15B0-7150-E13F35113138}"/>
+              </a:ext>
+            </a:extLst>
+          </p:cNvPr>
+          <p:cNvSpPr>
+            <a:spLocks noGrp="1"/>
+          </p:cNvSpPr>
+          <p:nvPr>
+            <p:ph type="title"/>
+          </p:nvPr>
+        </p:nvSpPr>
+        <p:spPr/>
+        <p:txBody>
+          <a:bodyPr/>
+          <a:lstStyle/>
+          <a:p>
+            <a:r>
+              <a:rPr lang="en-US" dirty="0"/>
+              <a:t>Deconstructing Decorators</a:t>
+            </a:r>
+          </a:p>
+        </p:txBody>
+      </p:sp>
+      <p:sp>
+        <p:nvSpPr>
+          <p:cNvPr id="3" name="Content Placeholder 2">
+            <a:extLst>
+              <a:ext uri="{FF2B5EF4-FFF2-40B4-BE49-F238E27FC236}">
+                <a16:creationId xmlns:a16="http://schemas.microsoft.com/office/drawing/2014/main" id="{55DE50C3-C45A-67D3-755D-75041180A2D4}"/>
+              </a:ext>
+            </a:extLst>
+          </p:cNvPr>
+          <p:cNvSpPr>
+            <a:spLocks noGrp="1"/>
+          </p:cNvSpPr>
+          <p:nvPr>
+            <p:ph idx="1"/>
+          </p:nvPr>
+        </p:nvSpPr>
+        <p:spPr>
+          <a:xfrm>
+            <a:off x="314433" y="1853753"/>
+            <a:ext cx="6923441" cy="4199727"/>
+          </a:xfrm>
+        </p:spPr>
+        <p:txBody>
+          <a:bodyPr/>
+          <a:lstStyle/>
+          <a:p>
+            <a:r>
+              <a:rPr lang="en-US" dirty="0"/>
+              <a:t>Decorators are something we’ve seen popup occasionally. </a:t>
+            </a:r>
+          </a:p>
+          <a:p>
+            <a:pPr lvl="1"/>
+            <a:r>
+              <a:rPr lang="en-US" dirty="0"/>
+              <a:t>Static methods, properties, </a:t>
+            </a:r>
+            <a:r>
+              <a:rPr lang="en-US" dirty="0" err="1"/>
+              <a:t>etc</a:t>
+            </a:r>
+            <a:r>
+              <a:rPr lang="en-US" dirty="0"/>
+              <a:t>…</a:t>
+            </a:r>
+          </a:p>
+          <a:p>
+            <a:r>
+              <a:rPr lang="en-US" dirty="0"/>
+              <a:t>Decorators allow for a function to be ‘wrapped’ in another, changing its function. </a:t>
+            </a:r>
+          </a:p>
+          <a:p>
+            <a:pPr lvl="1"/>
+            <a:r>
+              <a:rPr lang="en-US" dirty="0"/>
+              <a:t>They don’t enable different functionality, just allow it to be done in a different way. </a:t>
+            </a:r>
+          </a:p>
+          <a:p>
+            <a:r>
+              <a:rPr lang="en-US" dirty="0"/>
+              <a:t>“Direct” decorator use is pretty simple. </a:t>
+            </a:r>
+          </a:p>
+          <a:p>
+            <a:pPr lvl="1"/>
+            <a:r>
+              <a:rPr lang="en-US" dirty="0"/>
+              <a:t>Such as the ways we’ve used it before. </a:t>
+            </a:r>
+          </a:p>
+          <a:p>
+            <a:r>
+              <a:rPr lang="en-US" dirty="0"/>
+              <a:t>Self-directed may be easier, but confusing. </a:t>
+            </a:r>
+          </a:p>
+          <a:p>
+            <a:pPr lvl="1"/>
+            <a:r>
+              <a:rPr lang="en-US" dirty="0"/>
+              <a:t>Understanding code using this ‘sugar’ can be harder, esp. at first.</a:t>
+            </a:r>
+          </a:p>
+        </p:txBody>
+      </p:sp>
+      <p:pic>
+        <p:nvPicPr>
+          <p:cNvPr id="4" name="Picture 3">
+            <a:extLst>
+              <a:ext uri="{FF2B5EF4-FFF2-40B4-BE49-F238E27FC236}">
+                <a16:creationId xmlns:a16="http://schemas.microsoft.com/office/drawing/2014/main" id="{41D7B92C-9EF7-ECB7-7C62-50E3AA4146F6}"/>
+              </a:ext>
+            </a:extLst>
+          </p:cNvPr>
+          <p:cNvPicPr>
+            <a:picLocks noChangeAspect="1"/>
+          </p:cNvPicPr>
+          <p:nvPr/>
+        </p:nvPicPr>
+        <p:blipFill>
+          <a:blip r:embed="rId2"/>
+          <a:stretch>
+            <a:fillRect/>
+          </a:stretch>
+        </p:blipFill>
+        <p:spPr>
+          <a:xfrm>
+            <a:off x="7237873" y="1693332"/>
+            <a:ext cx="4954127" cy="5317067"/>
+          </a:xfrm>
+          <a:prstGeom prst="rect">
+            <a:avLst/>
+          </a:prstGeom>
+        </p:spPr>
+      </p:pic>
+    </p:spTree>
+    <p:extLst>
+      <p:ext uri="{BB962C8B-B14F-4D97-AF65-F5344CB8AC3E}">
+        <p14:creationId xmlns:p14="http://schemas.microsoft.com/office/powerpoint/2010/main" val="3636579812"/>
+      </p:ext>
+    </p:extLst>
+  </p:cSld>
+  <p:clrMapOvr>
+    <a:masterClrMapping/>
+  </p:clrMapOvr>
+</p:sld>
+</file>
+
+<file path=ppt/slides/slide22.xml><?xml version="1.0" encoding="utf-8"?>
+<p:sld xmlns:a="http://schemas.openxmlformats.org/drawingml/2006/main" xmlns:r="http://schemas.openxmlformats.org/officeDocument/2006/relationships" xmlns:p="http://schemas.openxmlformats.org/presentationml/2006/main">
+  <p:cSld>
+    <p:spTree>
+      <p:nvGrpSpPr>
+        <p:cNvPr id="1" name=""/>
+        <p:cNvGrpSpPr/>
+        <p:nvPr/>
+      </p:nvGrpSpPr>
+      <p:grpSpPr>
+        <a:xfrm>
+          <a:off x="0" y="0"/>
+          <a:ext cx="0" cy="0"/>
+          <a:chOff x="0" y="0"/>
+          <a:chExt cx="0" cy="0"/>
+        </a:xfrm>
+      </p:grpSpPr>
+      <p:sp>
+        <p:nvSpPr>
+          <p:cNvPr id="2" name="Title 1">
+            <a:extLst>
+              <a:ext uri="{FF2B5EF4-FFF2-40B4-BE49-F238E27FC236}">
                 <a16:creationId xmlns:a16="http://schemas.microsoft.com/office/drawing/2014/main" id="{055EFBF5-0D05-6375-8CF3-530DB62C5E41}"/>
               </a:ext>
             </a:extLst>
@@ -4565,7 +5965,7 @@
 </p:sld>
 </file>
 
-<file path=ppt/slides/slide15.xml><?xml version="1.0" encoding="utf-8"?>
+<file path=ppt/slides/slide23.xml><?xml version="1.0" encoding="utf-8"?>
 <p:sld xmlns:a="http://schemas.openxmlformats.org/drawingml/2006/main" xmlns:r="http://schemas.openxmlformats.org/officeDocument/2006/relationships" xmlns:p="http://schemas.openxmlformats.org/presentationml/2006/main">
   <p:cSld>
     <p:spTree>
@@ -4770,7 +6170,7 @@
 </p:sld>
 </file>
 
-<file path=ppt/slides/slide16.xml><?xml version="1.0" encoding="utf-8"?>
+<file path=ppt/slides/slide24.xml><?xml version="1.0" encoding="utf-8"?>
 <p:sld xmlns:a="http://schemas.openxmlformats.org/drawingml/2006/main" xmlns:r="http://schemas.openxmlformats.org/officeDocument/2006/relationships" xmlns:p="http://schemas.openxmlformats.org/presentationml/2006/main">
   <p:cSld>
     <p:spTree>
@@ -4792,7 +6192,7 @@
           <p:cNvPr id="2" name="Title 1">
             <a:extLst>
               <a:ext uri="{FF2B5EF4-FFF2-40B4-BE49-F238E27FC236}">
-                <a16:creationId xmlns:a16="http://schemas.microsoft.com/office/drawing/2014/main" id="{CED5A230-65E4-2FFE-5CCA-24CDE7335351}"/>
+                <a16:creationId xmlns:a16="http://schemas.microsoft.com/office/drawing/2014/main" id="{28393160-5449-1366-5354-30843866A056}"/>
               </a:ext>
             </a:extLst>
           </p:cNvPr>
@@ -4810,7 +6210,7 @@
           <a:p>
             <a:r>
               <a:rPr lang="en-US" dirty="0"/>
-              <a:t>In Data Science…</a:t>
+              <a:t>In Python</a:t>
             </a:r>
           </a:p>
         </p:txBody>
@@ -4820,7 +6220,7 @@
           <p:cNvPr id="3" name="Content Placeholder 2">
             <a:extLst>
               <a:ext uri="{FF2B5EF4-FFF2-40B4-BE49-F238E27FC236}">
-                <a16:creationId xmlns:a16="http://schemas.microsoft.com/office/drawing/2014/main" id="{D57C2A99-16E7-A91F-D1D0-467BB3305B54}"/>
+                <a16:creationId xmlns:a16="http://schemas.microsoft.com/office/drawing/2014/main" id="{D8BC4E93-1BD8-0CC2-0D77-D1EFB7C4CCA7}"/>
               </a:ext>
             </a:extLst>
           </p:cNvPr>
@@ -4833,73 +6233,79 @@
         </p:nvSpPr>
         <p:spPr>
           <a:xfrm>
-            <a:off x="944218" y="1853754"/>
-            <a:ext cx="10455966" cy="4199727"/>
+            <a:off x="1451579" y="1853754"/>
+            <a:ext cx="9603275" cy="4262961"/>
           </a:xfrm>
         </p:spPr>
         <p:txBody>
-          <a:bodyPr>
-            <a:normAutofit/>
-          </a:bodyPr>
-          <a:lstStyle/>
-          <a:p>
-            <a:r>
-              <a:rPr lang="en-US" dirty="0"/>
-              <a:t>In most of our model development work in data science heavy use of objects is not mandatory. </a:t>
-            </a:r>
-          </a:p>
-          <a:p>
-            <a:pPr lvl="1"/>
-            <a:r>
-              <a:rPr lang="en-US" dirty="0"/>
-              <a:t>We need an OK understanding because we are using objects, but don’t usually need to make classes.</a:t>
-            </a:r>
-          </a:p>
-          <a:p>
-            <a:pPr lvl="1"/>
-            <a:r>
-              <a:rPr lang="en-US" dirty="0"/>
-              <a:t>Model development, data exploration, cleaning, and testing can be coded with/without classes. </a:t>
-            </a:r>
-          </a:p>
-          <a:p>
-            <a:pPr lvl="1"/>
-            <a:r>
-              <a:rPr lang="en-US" dirty="0"/>
-              <a:t>It is up to you if/when to wrap things into classes, (functions for that matter). </a:t>
-            </a:r>
-          </a:p>
-          <a:p>
-            <a:r>
-              <a:rPr lang="en-US" dirty="0"/>
-              <a:t>Where OOP concepts may come more into play is in deployment. </a:t>
-            </a:r>
-          </a:p>
-          <a:p>
-            <a:pPr lvl="1"/>
-            <a:r>
-              <a:rPr lang="en-US" dirty="0"/>
-              <a:t>If interacting with other systems (e.g. DB-&gt;pipeline-&gt;model-&gt;predictions-&gt;business thing) it becomes more likely wrapping objects into formal classes is better/easier/needed. </a:t>
-            </a:r>
-          </a:p>
-          <a:p>
-            <a:pPr lvl="1"/>
-            <a:r>
-              <a:rPr lang="en-US" dirty="0"/>
-              <a:t>Testing and maintenance is generally much easier if things are encapsulated. </a:t>
-            </a:r>
-          </a:p>
-          <a:p>
-            <a:pPr lvl="1"/>
-            <a:r>
-              <a:rPr lang="en-US" dirty="0"/>
-              <a:t>Organizations will normally have some sort of standards on how things are structured. </a:t>
-            </a:r>
-          </a:p>
-          <a:p>
-            <a:r>
-              <a:rPr lang="en-US" dirty="0"/>
-              <a:t>As a rule of thumb, if it is reused several times – function. If it is “grouped several times” – object. </a:t>
+          <a:bodyPr/>
+          <a:lstStyle/>
+          <a:p>
+            <a:r>
+              <a:rPr lang="en-US" dirty="0"/>
+              <a:t>In Python, the flexibility of ABCs, duck typing, and weak types avoid many major issues. </a:t>
+            </a:r>
+          </a:p>
+          <a:p>
+            <a:pPr lvl="1"/>
+            <a:r>
+              <a:rPr lang="en-US" dirty="0"/>
+              <a:t>I.e. we can accomplish the same goals as that hierarchy, in an easier way. </a:t>
+            </a:r>
+          </a:p>
+          <a:p>
+            <a:r>
+              <a:rPr lang="en-US" dirty="0"/>
+              <a:t>Drawback of flexibility – risk:</a:t>
+            </a:r>
+          </a:p>
+          <a:p>
+            <a:pPr lvl="1"/>
+            <a:r>
+              <a:rPr lang="en-US" dirty="0"/>
+              <a:t>While it is easier to do these types of hierarchies in </a:t>
+            </a:r>
+            <a:r>
+              <a:rPr lang="en-US" dirty="0" err="1"/>
+              <a:t>pyhton</a:t>
+            </a:r>
+            <a:r>
+              <a:rPr lang="en-US" dirty="0"/>
+              <a:t>, there’s other risks. </a:t>
+            </a:r>
+          </a:p>
+          <a:p>
+            <a:pPr lvl="1"/>
+            <a:r>
+              <a:rPr lang="en-US" dirty="0"/>
+              <a:t>The hard checks prevent certain problems that we can have in python. </a:t>
+            </a:r>
+          </a:p>
+          <a:p>
+            <a:pPr lvl="1"/>
+            <a:r>
+              <a:rPr lang="en-US" dirty="0"/>
+              <a:t>E.g. we are doing math, and a value works fine “as a” float, until there’s an invalid record that can’t cast to a float. </a:t>
+            </a:r>
+          </a:p>
+          <a:p>
+            <a:r>
+              <a:rPr lang="en-US" dirty="0"/>
+              <a:t>We can mostly avoid this in practice:</a:t>
+            </a:r>
+          </a:p>
+          <a:p>
+            <a:pPr lvl="1"/>
+            <a:r>
+              <a:rPr lang="en-US" dirty="0"/>
+              <a:t>If the “is a” relationship is strong, we likely want to inherit. </a:t>
+            </a:r>
+          </a:p>
+          <a:p>
+            <a:pPr lvl="1"/>
+            <a:r>
+              <a:rPr lang="en-US" dirty="0"/>
+              <a:t>If we need an object to “be able to do X”, then we can implement/duck type. </a:t>
             </a:r>
           </a:p>
         </p:txBody>
@@ -4907,7 +6313,7 @@
     </p:spTree>
     <p:extLst>
       <p:ext uri="{BB962C8B-B14F-4D97-AF65-F5344CB8AC3E}">
-        <p14:creationId xmlns:p14="http://schemas.microsoft.com/office/powerpoint/2010/main" val="293828111"/>
+        <p14:creationId xmlns:p14="http://schemas.microsoft.com/office/powerpoint/2010/main" val="1025542139"/>
       </p:ext>
     </p:extLst>
   </p:cSld>
@@ -4917,7 +6323,7 @@
 </p:sld>
 </file>
 
-<file path=ppt/slides/slide17.xml><?xml version="1.0" encoding="utf-8"?>
+<file path=ppt/slides/slide25.xml><?xml version="1.0" encoding="utf-8"?>
 <p:sld xmlns:a="http://schemas.openxmlformats.org/drawingml/2006/main" xmlns:r="http://schemas.openxmlformats.org/officeDocument/2006/relationships" xmlns:p="http://schemas.openxmlformats.org/presentationml/2006/main">
   <p:cSld>
     <p:spTree>
@@ -4939,7 +6345,7 @@
           <p:cNvPr id="2" name="Title 1">
             <a:extLst>
               <a:ext uri="{FF2B5EF4-FFF2-40B4-BE49-F238E27FC236}">
-                <a16:creationId xmlns:a16="http://schemas.microsoft.com/office/drawing/2014/main" id="{8C76D9CC-147D-CB1C-1A62-55C57C5EB7EF}"/>
+                <a16:creationId xmlns:a16="http://schemas.microsoft.com/office/drawing/2014/main" id="{CED5A230-65E4-2FFE-5CCA-24CDE7335351}"/>
               </a:ext>
             </a:extLst>
           </p:cNvPr>
@@ -4957,7 +6363,7 @@
           <a:p>
             <a:r>
               <a:rPr lang="en-US" dirty="0"/>
-              <a:t>Some DS Examples</a:t>
+              <a:t>In Data Science…</a:t>
             </a:r>
           </a:p>
         </p:txBody>
@@ -4967,7 +6373,7 @@
           <p:cNvPr id="3" name="Content Placeholder 2">
             <a:extLst>
               <a:ext uri="{FF2B5EF4-FFF2-40B4-BE49-F238E27FC236}">
-                <a16:creationId xmlns:a16="http://schemas.microsoft.com/office/drawing/2014/main" id="{72BE8142-B4EF-2FC4-BACB-61124445C1CD}"/>
+                <a16:creationId xmlns:a16="http://schemas.microsoft.com/office/drawing/2014/main" id="{D57C2A99-16E7-A91F-D1D0-467BB3305B54}"/>
               </a:ext>
             </a:extLst>
           </p:cNvPr>
@@ -4980,110 +6386,81 @@
         </p:nvSpPr>
         <p:spPr>
           <a:xfrm>
-            <a:off x="1451579" y="1853754"/>
-            <a:ext cx="9738037" cy="4113413"/>
+            <a:off x="399495" y="1853754"/>
+            <a:ext cx="11000689" cy="4199727"/>
           </a:xfrm>
         </p:spPr>
         <p:txBody>
-          <a:bodyPr/>
-          <a:lstStyle/>
-          <a:p>
-            <a:r>
-              <a:rPr lang="en-US" dirty="0"/>
-              <a:t>When dealing with large datasets like images, the data pipelines can involve lots of work. </a:t>
-            </a:r>
-          </a:p>
-          <a:p>
-            <a:pPr lvl="1"/>
-            <a:r>
-              <a:rPr lang="en-US" dirty="0"/>
-              <a:t>Create new classes that can translate a subset of data to provide the correctly formatted input. </a:t>
-            </a:r>
-          </a:p>
-          <a:p>
-            <a:pPr lvl="1"/>
-            <a:r>
-              <a:rPr lang="en-US" dirty="0"/>
-              <a:t>A base class can do the main functionality. </a:t>
-            </a:r>
-          </a:p>
-          <a:p>
-            <a:pPr lvl="1"/>
-            <a:r>
-              <a:rPr lang="en-US" dirty="0"/>
-              <a:t>Child classes can deal with variations – </a:t>
-            </a:r>
-            <a:r>
-              <a:rPr lang="en-US" dirty="0" err="1"/>
-              <a:t>subFolderDataset</a:t>
-            </a:r>
-            <a:r>
-              <a:rPr lang="en-US" dirty="0"/>
-              <a:t>, </a:t>
-            </a:r>
-            <a:r>
-              <a:rPr lang="en-US" dirty="0" err="1"/>
-              <a:t>httpDataset</a:t>
-            </a:r>
-            <a:r>
-              <a:rPr lang="en-US" dirty="0"/>
-              <a:t>, </a:t>
-            </a:r>
-            <a:r>
-              <a:rPr lang="en-US" dirty="0" err="1"/>
-              <a:t>databaseDataset</a:t>
-            </a:r>
-            <a:r>
-              <a:rPr lang="en-US" dirty="0"/>
-              <a:t>…</a:t>
-            </a:r>
-          </a:p>
-          <a:p>
-            <a:pPr lvl="1"/>
-            <a:r>
-              <a:rPr lang="en-US" dirty="0"/>
-              <a:t>Each object provides a consistent input (defined in the parent) even though each is given a different source, and must take different actions there (list files, download stuff from the internet, do an </a:t>
-            </a:r>
-            <a:r>
-              <a:rPr lang="en-US" dirty="0" err="1"/>
-              <a:t>sql</a:t>
-            </a:r>
-            <a:r>
-              <a:rPr lang="en-US" dirty="0"/>
-              <a:t> query, </a:t>
-            </a:r>
-            <a:r>
-              <a:rPr lang="en-US" dirty="0" err="1"/>
-              <a:t>etc</a:t>
-            </a:r>
-            <a:r>
-              <a:rPr lang="en-US" dirty="0"/>
-              <a:t>…). </a:t>
-            </a:r>
-          </a:p>
-          <a:p>
-            <a:pPr lvl="1"/>
-            <a:r>
-              <a:rPr lang="en-US" dirty="0"/>
-              <a:t>Any dataset object can be passed in, and they will work interchangeably. </a:t>
-            </a:r>
-          </a:p>
-          <a:p>
-            <a:r>
-              <a:rPr lang="en-US" dirty="0"/>
-              <a:t>This isn’t required, but I’d argue that it may be easier to make and maintain. </a:t>
-            </a:r>
-          </a:p>
-          <a:p>
-            <a:pPr lvl="1"/>
-            <a:endParaRPr lang="en-US" dirty="0"/>
+          <a:bodyPr>
+            <a:normAutofit/>
+          </a:bodyPr>
+          <a:lstStyle/>
+          <a:p>
+            <a:r>
+              <a:rPr lang="en-US" dirty="0"/>
+              <a:t>In most of our model development work in data science heavy use of objects is not mandatory. </a:t>
+            </a:r>
+          </a:p>
+          <a:p>
+            <a:pPr lvl="1"/>
+            <a:r>
+              <a:rPr lang="en-US" dirty="0"/>
+              <a:t>We need an OK understanding because we are using objects, but don’t usually need to make many classes.</a:t>
+            </a:r>
+          </a:p>
+          <a:p>
+            <a:pPr lvl="1"/>
+            <a:r>
+              <a:rPr lang="en-US" dirty="0"/>
+              <a:t>Model development, data exploration, cleaning, and testing can be coded with/without classes. </a:t>
+            </a:r>
+          </a:p>
+          <a:p>
+            <a:pPr lvl="1"/>
+            <a:r>
+              <a:rPr lang="en-US" dirty="0"/>
+              <a:t>It is up to you if/when to wrap things into classes, (functions for that matter). </a:t>
+            </a:r>
+          </a:p>
+          <a:p>
+            <a:r>
+              <a:rPr lang="en-US" dirty="0"/>
+              <a:t>Where OOP concepts may come more into play is in deployment. </a:t>
+            </a:r>
+          </a:p>
+          <a:p>
+            <a:pPr lvl="1"/>
+            <a:r>
+              <a:rPr lang="en-US" dirty="0"/>
+              <a:t>If interacting with other systems (e.g. DB-&gt;pipeline-&gt;model-&gt;predictions-&gt;business thing) it becomes more likely wrapping objects into formal classes is better/easier/needed. </a:t>
+            </a:r>
+          </a:p>
+          <a:p>
+            <a:pPr lvl="1"/>
+            <a:r>
+              <a:rPr lang="en-US" dirty="0"/>
+              <a:t>Testing and maintenance is generally much easier if things are encapsulated. </a:t>
+            </a:r>
+          </a:p>
+          <a:p>
+            <a:pPr lvl="1"/>
+            <a:r>
+              <a:rPr lang="en-US" dirty="0"/>
+              <a:t>Organizations will normally have some sort of standards on how things are structured. </a:t>
+            </a:r>
+          </a:p>
+          <a:p>
+            <a:r>
+              <a:rPr lang="en-US" dirty="0"/>
+              <a:t>As a rule of thumb, if it is reused several times – function. If it is “grouped several times” – object. </a:t>
+            </a:r>
           </a:p>
         </p:txBody>
       </p:sp>
     </p:spTree>
     <p:extLst>
       <p:ext uri="{BB962C8B-B14F-4D97-AF65-F5344CB8AC3E}">
-        <p14:creationId xmlns:p14="http://schemas.microsoft.com/office/powerpoint/2010/main" val="1860572356"/>
+        <p14:creationId xmlns:p14="http://schemas.microsoft.com/office/powerpoint/2010/main" val="293828111"/>
       </p:ext>
     </p:extLst>
   </p:cSld>
@@ -5093,7 +6470,7 @@
 </p:sld>
 </file>
 
-<file path=ppt/slides/slide18.xml><?xml version="1.0" encoding="utf-8"?>
+<file path=ppt/slides/slide26.xml><?xml version="1.0" encoding="utf-8"?>
 <p:sld xmlns:a="http://schemas.openxmlformats.org/drawingml/2006/main" xmlns:r="http://schemas.openxmlformats.org/officeDocument/2006/relationships" xmlns:p="http://schemas.openxmlformats.org/presentationml/2006/main">
   <p:cSld>
     <p:spTree>
@@ -5115,7 +6492,7 @@
           <p:cNvPr id="2" name="Title 1">
             <a:extLst>
               <a:ext uri="{FF2B5EF4-FFF2-40B4-BE49-F238E27FC236}">
-                <a16:creationId xmlns:a16="http://schemas.microsoft.com/office/drawing/2014/main" id="{226E777E-E6B5-AA13-36E6-1502DFE7D4FF}"/>
+                <a16:creationId xmlns:a16="http://schemas.microsoft.com/office/drawing/2014/main" id="{8C76D9CC-147D-CB1C-1A62-55C57C5EB7EF}"/>
               </a:ext>
             </a:extLst>
           </p:cNvPr>
@@ -5133,7 +6510,7 @@
           <a:p>
             <a:r>
               <a:rPr lang="en-US" dirty="0"/>
-              <a:t>Closing</a:t>
+              <a:t>Some DS Examples</a:t>
             </a:r>
           </a:p>
         </p:txBody>
@@ -5143,7 +6520,7 @@
           <p:cNvPr id="3" name="Content Placeholder 2">
             <a:extLst>
               <a:ext uri="{FF2B5EF4-FFF2-40B4-BE49-F238E27FC236}">
-                <a16:creationId xmlns:a16="http://schemas.microsoft.com/office/drawing/2014/main" id="{A2990007-A623-9E7D-BBA6-FFE5DD9DCE1E}"/>
+                <a16:creationId xmlns:a16="http://schemas.microsoft.com/office/drawing/2014/main" id="{72BE8142-B4EF-2FC4-BACB-61124445C1CD}"/>
               </a:ext>
             </a:extLst>
           </p:cNvPr>
@@ -5156,79 +6533,125 @@
         </p:nvSpPr>
         <p:spPr>
           <a:xfrm>
-            <a:off x="944217" y="1853753"/>
-            <a:ext cx="10346635" cy="4199728"/>
+            <a:off x="621437" y="1853754"/>
+            <a:ext cx="11061577" cy="4271838"/>
           </a:xfrm>
         </p:spPr>
         <p:txBody>
-          <a:bodyPr/>
-          <a:lstStyle/>
-          <a:p>
-            <a:r>
-              <a:rPr lang="en-US" dirty="0"/>
-              <a:t>More advanced usage of inheritance (and “language flair”) can be a blessing and a curse.</a:t>
-            </a:r>
-          </a:p>
-          <a:p>
-            <a:pPr lvl="1"/>
-            <a:r>
-              <a:rPr lang="en-US" dirty="0"/>
-              <a:t>We can model reality more closely in code, minimize duplication, and improve flexibility and reuse. </a:t>
-            </a:r>
-          </a:p>
-          <a:p>
-            <a:pPr lvl="1"/>
-            <a:r>
-              <a:rPr lang="en-US" dirty="0"/>
-              <a:t>We might make things more confusing and hard to debug if not careful. </a:t>
-            </a:r>
-          </a:p>
-          <a:p>
-            <a:pPr lvl="1"/>
-            <a:r>
-              <a:rPr lang="en-US" dirty="0"/>
-              <a:t>Things become less literal – we rely on functionality that we can’t see written in front of us. </a:t>
-            </a:r>
-          </a:p>
-          <a:p>
-            <a:r>
-              <a:rPr lang="en-US" dirty="0"/>
-              <a:t>We need to be ok with object inheritance at a basic level. </a:t>
-            </a:r>
-          </a:p>
-          <a:p>
-            <a:pPr lvl="1"/>
-            <a:r>
-              <a:rPr lang="en-US" dirty="0"/>
-              <a:t>Know and understand the relationships, be able to call the correct methods and interchange objects. </a:t>
-            </a:r>
-          </a:p>
-          <a:p>
-            <a:pPr lvl="1"/>
-            <a:r>
-              <a:rPr lang="en-US" dirty="0"/>
-              <a:t>Create classes in cases of no or simple inheritance. </a:t>
-            </a:r>
-          </a:p>
-          <a:p>
-            <a:r>
-              <a:rPr lang="en-US" dirty="0"/>
-              <a:t>The more complex stuff is more of a nice-to-know thing. </a:t>
-            </a:r>
-          </a:p>
-          <a:p>
-            <a:pPr lvl="1"/>
-            <a:r>
-              <a:rPr lang="en-US" dirty="0"/>
-              <a:t>If you do a lot of coding you’ll probably see it, also in some examples that are more complex online.  </a:t>
-            </a:r>
+          <a:bodyPr>
+            <a:normAutofit/>
+          </a:bodyPr>
+          <a:lstStyle/>
+          <a:p>
+            <a:r>
+              <a:rPr lang="en-US" dirty="0"/>
+              <a:t>More ‘advanced’ ds libraries/projects likely require more OOP in most cases. </a:t>
+            </a:r>
+          </a:p>
+          <a:p>
+            <a:r>
+              <a:rPr lang="en-US" dirty="0"/>
+              <a:t>When dealing with large datasets like images, the data pipelines can involve lots of work. </a:t>
+            </a:r>
+          </a:p>
+          <a:p>
+            <a:pPr lvl="1"/>
+            <a:r>
+              <a:rPr lang="en-US" dirty="0"/>
+              <a:t>Create new classes that can translate a subset of data to provide the correctly formatted input. </a:t>
+            </a:r>
+          </a:p>
+          <a:p>
+            <a:pPr lvl="1"/>
+            <a:r>
+              <a:rPr lang="en-US" dirty="0"/>
+              <a:t>Base does main functionality, children deal with variation – </a:t>
+            </a:r>
+            <a:r>
+              <a:rPr lang="en-US" dirty="0" err="1"/>
+              <a:t>subFolderDataset</a:t>
+            </a:r>
+            <a:r>
+              <a:rPr lang="en-US" dirty="0"/>
+              <a:t>, </a:t>
+            </a:r>
+            <a:r>
+              <a:rPr lang="en-US" dirty="0" err="1"/>
+              <a:t>httpDataset</a:t>
+            </a:r>
+            <a:r>
+              <a:rPr lang="en-US" dirty="0"/>
+              <a:t>, </a:t>
+            </a:r>
+            <a:r>
+              <a:rPr lang="en-US" dirty="0" err="1"/>
+              <a:t>databaseDataset</a:t>
+            </a:r>
+            <a:r>
+              <a:rPr lang="en-US" dirty="0"/>
+              <a:t>…</a:t>
+            </a:r>
+          </a:p>
+          <a:p>
+            <a:pPr lvl="1"/>
+            <a:r>
+              <a:rPr lang="en-US" dirty="0"/>
+              <a:t>Each object provides a consistent input (defined in the parent) even though each is given a different source, and must take different actions there (list files, download stuff from the internet, do an </a:t>
+            </a:r>
+            <a:r>
+              <a:rPr lang="en-US" dirty="0" err="1"/>
+              <a:t>sql</a:t>
+            </a:r>
+            <a:r>
+              <a:rPr lang="en-US" dirty="0"/>
+              <a:t> query, </a:t>
+            </a:r>
+            <a:r>
+              <a:rPr lang="en-US" dirty="0" err="1"/>
+              <a:t>etc</a:t>
+            </a:r>
+            <a:r>
+              <a:rPr lang="en-US" dirty="0"/>
+              <a:t>…). </a:t>
+            </a:r>
+          </a:p>
+          <a:p>
+            <a:pPr lvl="1"/>
+            <a:r>
+              <a:rPr lang="en-US" dirty="0"/>
+              <a:t>Any dataset object can be passed in, and they will work interchangeably. </a:t>
+            </a:r>
+          </a:p>
+          <a:p>
+            <a:r>
+              <a:rPr lang="en-US" dirty="0"/>
+              <a:t>This isn’t required, but I’d argue that it may be easier to make and maintain. </a:t>
+            </a:r>
+          </a:p>
+          <a:p>
+            <a:r>
+              <a:rPr lang="en-US" dirty="0"/>
+              <a:t>For custom purposes – objects for visualizations or results (data, details, config) like </a:t>
+            </a:r>
+            <a:r>
+              <a:rPr lang="en-US" dirty="0" err="1"/>
+              <a:t>thinkstats</a:t>
+            </a:r>
+            <a:r>
+              <a:rPr lang="en-US" dirty="0"/>
+              <a:t>. </a:t>
+            </a:r>
+          </a:p>
+          <a:p>
+            <a:pPr lvl="1"/>
+            <a:endParaRPr lang="en-US" dirty="0"/>
           </a:p>
         </p:txBody>
       </p:sp>
     </p:spTree>
     <p:extLst>
       <p:ext uri="{BB962C8B-B14F-4D97-AF65-F5344CB8AC3E}">
-        <p14:creationId xmlns:p14="http://schemas.microsoft.com/office/powerpoint/2010/main" val="3133308662"/>
+        <p14:creationId xmlns:p14="http://schemas.microsoft.com/office/powerpoint/2010/main" val="1860572356"/>
       </p:ext>
     </p:extLst>
   </p:cSld>
@@ -5238,7 +6661,7 @@
 </p:sld>
 </file>
 
-<file path=ppt/slides/slide2.xml><?xml version="1.0" encoding="utf-8"?>
+<file path=ppt/slides/slide27.xml><?xml version="1.0" encoding="utf-8"?>
 <p:sld xmlns:a="http://schemas.openxmlformats.org/drawingml/2006/main" xmlns:r="http://schemas.openxmlformats.org/officeDocument/2006/relationships" xmlns:p="http://schemas.openxmlformats.org/presentationml/2006/main">
   <p:cSld>
     <p:spTree>
@@ -5260,7 +6683,7 @@
           <p:cNvPr id="2" name="Title 1">
             <a:extLst>
               <a:ext uri="{FF2B5EF4-FFF2-40B4-BE49-F238E27FC236}">
-                <a16:creationId xmlns:a16="http://schemas.microsoft.com/office/drawing/2014/main" id="{F24AC584-C02D-3C51-DD64-6528D91D5D69}"/>
+                <a16:creationId xmlns:a16="http://schemas.microsoft.com/office/drawing/2014/main" id="{13DFDBC2-253D-7700-1531-B8EC43333292}"/>
               </a:ext>
             </a:extLst>
           </p:cNvPr>
@@ -5268,7 +6691,7 @@
             <a:spLocks noGrp="1"/>
           </p:cNvSpPr>
           <p:nvPr>
-            <p:ph type="ctrTitle"/>
+            <p:ph type="title"/>
           </p:nvPr>
         </p:nvSpPr>
         <p:spPr/>
@@ -5278,17 +6701,17 @@
           <a:p>
             <a:r>
               <a:rPr lang="en-US" dirty="0"/>
-              <a:t>Inheritance #2</a:t>
-            </a:r>
-          </a:p>
-        </p:txBody>
-      </p:sp>
-      <p:sp>
-        <p:nvSpPr>
-          <p:cNvPr id="3" name="Subtitle 2">
+              <a:t>Neural Network Examples</a:t>
+            </a:r>
+          </a:p>
+        </p:txBody>
+      </p:sp>
+      <p:sp>
+        <p:nvSpPr>
+          <p:cNvPr id="3" name="Content Placeholder 2">
             <a:extLst>
               <a:ext uri="{FF2B5EF4-FFF2-40B4-BE49-F238E27FC236}">
-                <a16:creationId xmlns:a16="http://schemas.microsoft.com/office/drawing/2014/main" id="{DCF7BFD6-E7BB-E95E-0875-4120FC8C4392}"/>
+                <a16:creationId xmlns:a16="http://schemas.microsoft.com/office/drawing/2014/main" id="{88C8936F-FE47-29AA-CBEF-238201941B78}"/>
               </a:ext>
             </a:extLst>
           </p:cNvPr>
@@ -5296,22 +6719,231 @@
             <a:spLocks noGrp="1"/>
           </p:cNvSpPr>
           <p:nvPr>
-            <p:ph type="subTitle" idx="1"/>
-          </p:nvPr>
-        </p:nvSpPr>
-        <p:spPr/>
-        <p:txBody>
-          <a:bodyPr/>
-          <a:lstStyle/>
-          <a:p>
-            <a:endParaRPr lang="en-US"/>
+            <p:ph idx="1"/>
+          </p:nvPr>
+        </p:nvSpPr>
+        <p:spPr>
+          <a:xfrm>
+            <a:off x="1451579" y="1853755"/>
+            <a:ext cx="9603275" cy="4199726"/>
+          </a:xfrm>
+        </p:spPr>
+        <p:txBody>
+          <a:bodyPr>
+            <a:normAutofit/>
+          </a:bodyPr>
+          <a:lstStyle/>
+          <a:p>
+            <a:r>
+              <a:rPr lang="en-US" dirty="0"/>
+              <a:t>Neural networks often require/suggest making objects for parts of the process. </a:t>
+            </a:r>
+          </a:p>
+          <a:p>
+            <a:r>
+              <a:rPr lang="en-US" dirty="0"/>
+              <a:t>More common to generate and pass around objects. </a:t>
+            </a:r>
+          </a:p>
+          <a:p>
+            <a:pPr lvl="1"/>
+            <a:r>
+              <a:rPr lang="en-US" dirty="0"/>
+              <a:t>Custom models or functions to make models for accuracy scoring. </a:t>
+            </a:r>
+          </a:p>
+          <a:p>
+            <a:pPr lvl="1"/>
+            <a:r>
+              <a:rPr lang="en-US" dirty="0"/>
+              <a:t>Dataset objects. </a:t>
+            </a:r>
+          </a:p>
+          <a:p>
+            <a:pPr lvl="1"/>
+            <a:r>
+              <a:rPr lang="en-US" dirty="0"/>
+              <a:t>Pipeline transformation objects. </a:t>
+            </a:r>
+          </a:p>
+          <a:p>
+            <a:r>
+              <a:rPr lang="en-US" dirty="0"/>
+              <a:t>We need to make some object that fits into some larger process. </a:t>
+            </a:r>
+          </a:p>
+          <a:p>
+            <a:pPr lvl="1"/>
+            <a:r>
+              <a:rPr lang="en-US" dirty="0"/>
+              <a:t>The details are totally up to us. </a:t>
+            </a:r>
+          </a:p>
+          <a:p>
+            <a:pPr lvl="1"/>
+            <a:r>
+              <a:rPr lang="en-US" dirty="0"/>
+              <a:t>We need to fit within the expectations for that type of object. </a:t>
+            </a:r>
+          </a:p>
+          <a:p>
+            <a:pPr lvl="1"/>
+            <a:r>
+              <a:rPr lang="en-US" dirty="0"/>
+              <a:t>This is probably the most important practical skill for a new employee in a larger team/ecosystem – fit the spec. </a:t>
+            </a:r>
           </a:p>
         </p:txBody>
       </p:sp>
     </p:spTree>
     <p:extLst>
       <p:ext uri="{BB962C8B-B14F-4D97-AF65-F5344CB8AC3E}">
-        <p14:creationId xmlns:p14="http://schemas.microsoft.com/office/powerpoint/2010/main" val="2027770696"/>
+        <p14:creationId xmlns:p14="http://schemas.microsoft.com/office/powerpoint/2010/main" val="3110000805"/>
+      </p:ext>
+    </p:extLst>
+  </p:cSld>
+  <p:clrMapOvr>
+    <a:masterClrMapping/>
+  </p:clrMapOvr>
+</p:sld>
+</file>
+
+<file path=ppt/slides/slide28.xml><?xml version="1.0" encoding="utf-8"?>
+<p:sld xmlns:a="http://schemas.openxmlformats.org/drawingml/2006/main" xmlns:r="http://schemas.openxmlformats.org/officeDocument/2006/relationships" xmlns:p="http://schemas.openxmlformats.org/presentationml/2006/main">
+  <p:cSld>
+    <p:spTree>
+      <p:nvGrpSpPr>
+        <p:cNvPr id="1" name=""/>
+        <p:cNvGrpSpPr/>
+        <p:nvPr/>
+      </p:nvGrpSpPr>
+      <p:grpSpPr>
+        <a:xfrm>
+          <a:off x="0" y="0"/>
+          <a:ext cx="0" cy="0"/>
+          <a:chOff x="0" y="0"/>
+          <a:chExt cx="0" cy="0"/>
+        </a:xfrm>
+      </p:grpSpPr>
+      <p:sp>
+        <p:nvSpPr>
+          <p:cNvPr id="2" name="Title 1">
+            <a:extLst>
+              <a:ext uri="{FF2B5EF4-FFF2-40B4-BE49-F238E27FC236}">
+                <a16:creationId xmlns:a16="http://schemas.microsoft.com/office/drawing/2014/main" id="{226E777E-E6B5-AA13-36E6-1502DFE7D4FF}"/>
+              </a:ext>
+            </a:extLst>
+          </p:cNvPr>
+          <p:cNvSpPr>
+            <a:spLocks noGrp="1"/>
+          </p:cNvSpPr>
+          <p:nvPr>
+            <p:ph type="title"/>
+          </p:nvPr>
+        </p:nvSpPr>
+        <p:spPr/>
+        <p:txBody>
+          <a:bodyPr/>
+          <a:lstStyle/>
+          <a:p>
+            <a:r>
+              <a:rPr lang="en-US" dirty="0"/>
+              <a:t>Closing</a:t>
+            </a:r>
+          </a:p>
+        </p:txBody>
+      </p:sp>
+      <p:sp>
+        <p:nvSpPr>
+          <p:cNvPr id="3" name="Content Placeholder 2">
+            <a:extLst>
+              <a:ext uri="{FF2B5EF4-FFF2-40B4-BE49-F238E27FC236}">
+                <a16:creationId xmlns:a16="http://schemas.microsoft.com/office/drawing/2014/main" id="{A2990007-A623-9E7D-BBA6-FFE5DD9DCE1E}"/>
+              </a:ext>
+            </a:extLst>
+          </p:cNvPr>
+          <p:cNvSpPr>
+            <a:spLocks noGrp="1"/>
+          </p:cNvSpPr>
+          <p:nvPr>
+            <p:ph idx="1"/>
+          </p:nvPr>
+        </p:nvSpPr>
+        <p:spPr>
+          <a:xfrm>
+            <a:off x="944217" y="1853753"/>
+            <a:ext cx="10346635" cy="4199728"/>
+          </a:xfrm>
+        </p:spPr>
+        <p:txBody>
+          <a:bodyPr/>
+          <a:lstStyle/>
+          <a:p>
+            <a:r>
+              <a:rPr lang="en-US" dirty="0"/>
+              <a:t>More advanced usage of inheritance (and “language flair”) can be a blessing and a curse.</a:t>
+            </a:r>
+          </a:p>
+          <a:p>
+            <a:pPr lvl="1"/>
+            <a:r>
+              <a:rPr lang="en-US" dirty="0"/>
+              <a:t>We can model reality more closely in code, minimize duplication, and improve flexibility and reuse. </a:t>
+            </a:r>
+          </a:p>
+          <a:p>
+            <a:pPr lvl="1"/>
+            <a:r>
+              <a:rPr lang="en-US" dirty="0"/>
+              <a:t>We might make things more confusing and hard to debug if not careful. </a:t>
+            </a:r>
+          </a:p>
+          <a:p>
+            <a:pPr lvl="1"/>
+            <a:r>
+              <a:rPr lang="en-US" dirty="0"/>
+              <a:t>Things become less literal – we rely on functionality that we can’t see written in front of us. </a:t>
+            </a:r>
+          </a:p>
+          <a:p>
+            <a:r>
+              <a:rPr lang="en-US" dirty="0"/>
+              <a:t>We need to be ok with object inheritance at a basic level. </a:t>
+            </a:r>
+          </a:p>
+          <a:p>
+            <a:pPr lvl="1"/>
+            <a:r>
+              <a:rPr lang="en-US" dirty="0"/>
+              <a:t>Know and understand the relationships, be able to call the correct methods and interchange objects. </a:t>
+            </a:r>
+          </a:p>
+          <a:p>
+            <a:pPr lvl="1"/>
+            <a:r>
+              <a:rPr lang="en-US" dirty="0"/>
+              <a:t>Create classes in cases of no or simple inheritance. </a:t>
+            </a:r>
+          </a:p>
+          <a:p>
+            <a:r>
+              <a:rPr lang="en-US" dirty="0"/>
+              <a:t>The more complex stuff is more of a nice-to-know thing. </a:t>
+            </a:r>
+          </a:p>
+          <a:p>
+            <a:pPr lvl="1"/>
+            <a:r>
+              <a:rPr lang="en-US" dirty="0"/>
+              <a:t>If you do a lot of coding you’ll probably see it, also in some examples that are more complex online.  </a:t>
+            </a:r>
+          </a:p>
+        </p:txBody>
+      </p:sp>
+    </p:spTree>
+    <p:extLst>
+      <p:ext uri="{BB962C8B-B14F-4D97-AF65-F5344CB8AC3E}">
+        <p14:creationId xmlns:p14="http://schemas.microsoft.com/office/powerpoint/2010/main" val="3133308662"/>
       </p:ext>
     </p:extLst>
   </p:cSld>
@@ -5343,7 +6975,7 @@
           <p:cNvPr id="2" name="Title 1">
             <a:extLst>
               <a:ext uri="{FF2B5EF4-FFF2-40B4-BE49-F238E27FC236}">
-                <a16:creationId xmlns:a16="http://schemas.microsoft.com/office/drawing/2014/main" id="{3BA26C36-B6DB-3925-9306-A06DD04A7AA2}"/>
+                <a16:creationId xmlns:a16="http://schemas.microsoft.com/office/drawing/2014/main" id="{AB704219-80F3-CD64-575F-C671F9E5C859}"/>
               </a:ext>
             </a:extLst>
           </p:cNvPr>
@@ -5351,7 +6983,7 @@
             <a:spLocks noGrp="1"/>
           </p:cNvSpPr>
           <p:nvPr>
-            <p:ph type="title"/>
+            <p:ph type="ctrTitle"/>
           </p:nvPr>
         </p:nvSpPr>
         <p:spPr/>
@@ -5361,17 +6993,17 @@
           <a:p>
             <a:r>
               <a:rPr lang="en-US" dirty="0"/>
-              <a:t>Assignment 1 key Points</a:t>
-            </a:r>
-          </a:p>
-        </p:txBody>
-      </p:sp>
-      <p:sp>
-        <p:nvSpPr>
-          <p:cNvPr id="3" name="Content Placeholder 2">
+              <a:t>Review Stuff</a:t>
+            </a:r>
+          </a:p>
+        </p:txBody>
+      </p:sp>
+      <p:sp>
+        <p:nvSpPr>
+          <p:cNvPr id="3" name="Subtitle 2">
             <a:extLst>
               <a:ext uri="{FF2B5EF4-FFF2-40B4-BE49-F238E27FC236}">
-                <a16:creationId xmlns:a16="http://schemas.microsoft.com/office/drawing/2014/main" id="{DAEB3D5A-CCE5-3F94-91BA-78A8B67BBAD5}"/>
+                <a16:creationId xmlns:a16="http://schemas.microsoft.com/office/drawing/2014/main" id="{1D508C2B-E018-C693-7C0B-D71688FE6FE6}"/>
               </a:ext>
             </a:extLst>
           </p:cNvPr>
@@ -5379,105 +7011,22 @@
             <a:spLocks noGrp="1"/>
           </p:cNvSpPr>
           <p:nvPr>
-            <p:ph idx="1"/>
-          </p:nvPr>
-        </p:nvSpPr>
-        <p:spPr>
-          <a:xfrm>
-            <a:off x="1451579" y="1853754"/>
-            <a:ext cx="9603275" cy="4199727"/>
-          </a:xfrm>
-        </p:spPr>
-        <p:txBody>
-          <a:bodyPr/>
-          <a:lstStyle/>
-          <a:p>
-            <a:r>
-              <a:rPr lang="en-US" dirty="0"/>
-              <a:t>Data processing and cleaning. </a:t>
-            </a:r>
-          </a:p>
-          <a:p>
-            <a:pPr lvl="1"/>
-            <a:r>
-              <a:rPr lang="en-US" dirty="0"/>
-              <a:t>Several problems with messy data, most notably the rupee sign. </a:t>
-            </a:r>
-          </a:p>
-          <a:p>
-            <a:pPr lvl="1"/>
-            <a:r>
-              <a:rPr lang="en-US" dirty="0"/>
-              <a:t>The sign will likely cause a column to be interpreted as a string/object. </a:t>
-            </a:r>
-          </a:p>
-          <a:p>
-            <a:pPr lvl="1"/>
-            <a:r>
-              <a:rPr lang="en-US" dirty="0"/>
-              <a:t>Solution – info to get type, if it is not a number we know it is not processed properly, start cleaning – slice off that mark, pull out numbers, </a:t>
-            </a:r>
-            <a:r>
-              <a:rPr lang="en-US" dirty="0" err="1"/>
-              <a:t>etc</a:t>
-            </a:r>
-            <a:r>
-              <a:rPr lang="en-US" dirty="0"/>
-              <a:t>… Identify issue, then define solution. </a:t>
-            </a:r>
-          </a:p>
-          <a:p>
-            <a:pPr lvl="1"/>
-            <a:r>
-              <a:rPr lang="en-US" dirty="0"/>
-              <a:t>This is something we normally need to consider for each value – like in stats making models. </a:t>
-            </a:r>
-          </a:p>
-          <a:p>
-            <a:r>
-              <a:rPr lang="en-US" dirty="0"/>
-              <a:t>Top rating. </a:t>
-            </a:r>
-          </a:p>
-          <a:p>
-            <a:pPr lvl="1"/>
-            <a:r>
-              <a:rPr lang="en-US" dirty="0"/>
-              <a:t>If the data is saved in a container in the Inventory, we just need to sort. </a:t>
-            </a:r>
-          </a:p>
-          <a:p>
-            <a:pPr lvl="1"/>
-            <a:r>
-              <a:rPr lang="en-US" dirty="0"/>
-              <a:t>If we need to sort, we can define __</a:t>
-            </a:r>
-            <a:r>
-              <a:rPr lang="en-US" dirty="0" err="1"/>
-              <a:t>lt</a:t>
-            </a:r>
-            <a:r>
-              <a:rPr lang="en-US" dirty="0"/>
-              <a:t>__ in the objects (products). </a:t>
-            </a:r>
-          </a:p>
-          <a:p>
-            <a:pPr lvl="1"/>
-            <a:r>
-              <a:rPr lang="en-US" dirty="0"/>
-              <a:t>So, if we can compare products, and we have a collection of them, we can sort. </a:t>
-            </a:r>
-          </a:p>
-          <a:p>
-            <a:pPr lvl="1"/>
-            <a:endParaRPr lang="en-US" dirty="0"/>
+            <p:ph type="subTitle" idx="1"/>
+          </p:nvPr>
+        </p:nvSpPr>
+        <p:spPr/>
+        <p:txBody>
+          <a:bodyPr/>
+          <a:lstStyle/>
+          <a:p>
+            <a:endParaRPr lang="en-US"/>
           </a:p>
         </p:txBody>
       </p:sp>
     </p:spTree>
     <p:extLst>
       <p:ext uri="{BB962C8B-B14F-4D97-AF65-F5344CB8AC3E}">
-        <p14:creationId xmlns:p14="http://schemas.microsoft.com/office/powerpoint/2010/main" val="3696827880"/>
+        <p14:creationId xmlns:p14="http://schemas.microsoft.com/office/powerpoint/2010/main" val="3554868264"/>
       </p:ext>
     </p:extLst>
   </p:cSld>
@@ -5509,7 +7058,7 @@
           <p:cNvPr id="2" name="Title 1">
             <a:extLst>
               <a:ext uri="{FF2B5EF4-FFF2-40B4-BE49-F238E27FC236}">
-                <a16:creationId xmlns:a16="http://schemas.microsoft.com/office/drawing/2014/main" id="{9BDE379B-B55E-32F4-6F34-16F0DF130D89}"/>
+                <a16:creationId xmlns:a16="http://schemas.microsoft.com/office/drawing/2014/main" id="{25E97E50-37FA-1087-A9A3-8E8CD47EBD8A}"/>
               </a:ext>
             </a:extLst>
           </p:cNvPr>
@@ -5527,7 +7076,7 @@
           <a:p>
             <a:r>
               <a:rPr lang="en-US" dirty="0"/>
-              <a:t>Assignment 1</a:t>
+              <a:t>Small notes</a:t>
             </a:r>
           </a:p>
         </p:txBody>
@@ -5537,7 +7086,7 @@
           <p:cNvPr id="3" name="Content Placeholder 2">
             <a:extLst>
               <a:ext uri="{FF2B5EF4-FFF2-40B4-BE49-F238E27FC236}">
-                <a16:creationId xmlns:a16="http://schemas.microsoft.com/office/drawing/2014/main" id="{3BF60FA5-582A-540F-9E9D-30F711166395}"/>
+                <a16:creationId xmlns:a16="http://schemas.microsoft.com/office/drawing/2014/main" id="{45C5250E-EC25-F7F2-AD9B-EE28D60E0E33}"/>
               </a:ext>
             </a:extLst>
           </p:cNvPr>
@@ -5555,92 +7104,124 @@
           </a:xfrm>
         </p:spPr>
         <p:txBody>
-          <a:bodyPr>
-            <a:normAutofit lnSpcReduction="10000"/>
-          </a:bodyPr>
-          <a:lstStyle/>
-          <a:p>
-            <a:r>
-              <a:rPr lang="en-US" dirty="0"/>
-              <a:t>Container structure:</a:t>
-            </a:r>
-          </a:p>
-          <a:p>
-            <a:pPr lvl="1"/>
-            <a:r>
-              <a:rPr lang="en-US" dirty="0"/>
-              <a:t>Each product contains one product – many attributes for each. </a:t>
-            </a:r>
-          </a:p>
-          <a:p>
-            <a:pPr lvl="1"/>
-            <a:r>
-              <a:rPr lang="en-US" dirty="0"/>
-              <a:t>The inventory is a container of products – we need some internal container (</a:t>
+          <a:bodyPr/>
+          <a:lstStyle/>
+          <a:p>
+            <a:r>
+              <a:rPr lang="en-US" dirty="0"/>
+              <a:t>__</a:t>
             </a:r>
             <a:r>
               <a:rPr lang="en-US" dirty="0" err="1"/>
-              <a:t>dict</a:t>
-            </a:r>
-            <a:r>
-              <a:rPr lang="en-US" dirty="0"/>
-              <a:t>, list, </a:t>
+              <a:t>repr</a:t>
+            </a:r>
+            <a:r>
+              <a:rPr lang="en-US" dirty="0"/>
+              <a:t>__ is a function that provides a representation of an object, in string form. </a:t>
+            </a:r>
+          </a:p>
+          <a:p>
+            <a:pPr lvl="1"/>
+            <a:r>
+              <a:rPr lang="en-US" dirty="0"/>
+              <a:t>This is meant to give unambiguous info to developers, while str is meant to be readable. </a:t>
+            </a:r>
+          </a:p>
+          <a:p>
+            <a:pPr lvl="1"/>
+            <a:r>
+              <a:rPr lang="en-US" dirty="0"/>
+              <a:t>The structure is identical to str, return a string representation of an object. </a:t>
+            </a:r>
+          </a:p>
+          <a:p>
+            <a:pPr lvl="1"/>
+            <a:r>
+              <a:rPr lang="en-US" dirty="0"/>
+              <a:t>Many objects return something like: </a:t>
+            </a:r>
+            <a:r>
+              <a:rPr lang="en-CA" dirty="0"/>
+              <a:t>&lt;__</a:t>
+            </a:r>
+            <a:r>
+              <a:rPr lang="en-CA" dirty="0" err="1"/>
+              <a:t>main__.Foo</a:t>
+            </a:r>
+            <a:r>
+              <a:rPr lang="en-CA" dirty="0"/>
+              <a:t> </a:t>
+            </a:r>
+            <a:r>
+              <a:rPr lang="en-CA" dirty="0">
+                <a:effectLst/>
+                <a:latin typeface="inherit"/>
+              </a:rPr>
+              <a:t>object</a:t>
+            </a:r>
+            <a:r>
+              <a:rPr lang="en-CA" dirty="0"/>
+              <a:t> at </a:t>
+            </a:r>
+            <a:r>
+              <a:rPr lang="en-CA" dirty="0">
+                <a:effectLst/>
+                <a:latin typeface="inherit"/>
+              </a:rPr>
+              <a:t>0x7f80665abdd0</a:t>
+            </a:r>
+            <a:r>
+              <a:rPr lang="en-CA" dirty="0"/>
+              <a:t>&gt;</a:t>
+            </a:r>
+            <a:endParaRPr lang="en-US" dirty="0"/>
+          </a:p>
+          <a:p>
+            <a:r>
+              <a:rPr lang="en-US" dirty="0"/>
+              <a:t>Make classes once, don’t repeat them. </a:t>
+            </a:r>
+          </a:p>
+          <a:p>
+            <a:pPr lvl="1"/>
+            <a:r>
+              <a:rPr lang="en-US" dirty="0"/>
+              <a:t>If I ever have multiple copies in code it is to demo things as we work, i.e. “now we’ll add…”</a:t>
+            </a:r>
+          </a:p>
+          <a:p>
+            <a:pPr lvl="1"/>
+            <a:r>
+              <a:rPr lang="en-US" dirty="0"/>
+              <a:t>In reality, don’t do this. It is bad and confusing – if we run the wrong class def, that’ll be active. </a:t>
+            </a:r>
+          </a:p>
+          <a:p>
+            <a:r>
+              <a:rPr lang="en-US" dirty="0"/>
+              <a:t>Check types and validity when loading data from a file (ideally think in ‘steps’). </a:t>
+            </a:r>
+          </a:p>
+          <a:p>
+            <a:pPr lvl="1"/>
+            <a:r>
+              <a:rPr lang="en-US" dirty="0"/>
+              <a:t>Most datasets will have some sort of issue, largely a numeric column being treated as strings. </a:t>
+            </a:r>
+          </a:p>
+          <a:p>
+            <a:pPr lvl="1"/>
+            <a:r>
+              <a:rPr lang="en-US" dirty="0"/>
+              <a:t>Describe, info, </a:t>
             </a:r>
             <a:r>
               <a:rPr lang="en-US" dirty="0" err="1"/>
-              <a:t>etc</a:t>
-            </a:r>
-            <a:r>
-              <a:rPr lang="en-US" dirty="0"/>
-              <a:t>…) to hold many products, as well as the other functionality of the objects. </a:t>
-            </a:r>
-          </a:p>
-          <a:p>
-            <a:pPr lvl="1"/>
-            <a:r>
-              <a:rPr lang="en-US" dirty="0"/>
-              <a:t>I used a dictionary:</a:t>
-            </a:r>
-          </a:p>
-          <a:p>
-            <a:pPr lvl="2"/>
-            <a:r>
-              <a:rPr lang="en-US" dirty="0"/>
-              <a:t>Product name as key, product and stock level as tuple in the value. </a:t>
-            </a:r>
-          </a:p>
-          <a:p>
-            <a:pPr lvl="2"/>
-            <a:r>
-              <a:rPr lang="en-US" dirty="0"/>
-              <a:t>This isn’t “correct”, the values can be arranged differently. </a:t>
-            </a:r>
-          </a:p>
-          <a:p>
-            <a:pPr lvl="1"/>
-            <a:r>
-              <a:rPr lang="en-US" dirty="0"/>
-              <a:t>Need to track what each attribute “belongs to” – stock is not a product thing. </a:t>
-            </a:r>
-          </a:p>
-          <a:p>
-            <a:pPr lvl="2"/>
-            <a:r>
-              <a:rPr lang="en-US" dirty="0"/>
-              <a:t>Could be a “stocked-product” object to sit there. </a:t>
-            </a:r>
-          </a:p>
-          <a:p>
-            <a:pPr lvl="2"/>
-            <a:r>
-              <a:rPr lang="en-US" dirty="0"/>
-              <a:t>Similar to the refactoring in databases – including the “connecting” table/object. </a:t>
-            </a:r>
-          </a:p>
-          <a:p>
-            <a:r>
-              <a:rPr lang="en-US" dirty="0"/>
-              <a:t>Keeping this type of stuff straight is useful in loading datasets later on. </a:t>
+              <a:t>value_counts</a:t>
+            </a:r>
+            <a:r>
+              <a:rPr lang="en-US" dirty="0"/>
+              <a:t> and others will show the current state. </a:t>
             </a:r>
           </a:p>
         </p:txBody>
@@ -5648,7 +7229,7 @@
     </p:spTree>
     <p:extLst>
       <p:ext uri="{BB962C8B-B14F-4D97-AF65-F5344CB8AC3E}">
-        <p14:creationId xmlns:p14="http://schemas.microsoft.com/office/powerpoint/2010/main" val="3289554301"/>
+        <p14:creationId xmlns:p14="http://schemas.microsoft.com/office/powerpoint/2010/main" val="1176190600"/>
       </p:ext>
     </p:extLst>
   </p:cSld>
@@ -5680,7 +7261,7 @@
           <p:cNvPr id="2" name="Title 1">
             <a:extLst>
               <a:ext uri="{FF2B5EF4-FFF2-40B4-BE49-F238E27FC236}">
-                <a16:creationId xmlns:a16="http://schemas.microsoft.com/office/drawing/2014/main" id="{A2F27E6B-65D0-6824-6AC4-5E8875C0C22B}"/>
+                <a16:creationId xmlns:a16="http://schemas.microsoft.com/office/drawing/2014/main" id="{7C576B68-C0F9-C078-6E0E-A044C6E279E4}"/>
               </a:ext>
             </a:extLst>
           </p:cNvPr>
@@ -5697,12 +7278,16 @@
           <a:lstStyle/>
           <a:p>
             <a:r>
+              <a:rPr lang="en-US" dirty="0"/>
+              <a:t>Small Notes </a:t>
+            </a:r>
+            <a:r>
               <a:rPr lang="en-US" dirty="0" err="1"/>
-              <a:t>Asn</a:t>
-            </a:r>
-            <a:r>
-              <a:rPr lang="en-US" dirty="0"/>
-              <a:t> 1</a:t>
+              <a:t>Cont</a:t>
+            </a:r>
+            <a:r>
+              <a:rPr lang="en-US" dirty="0"/>
+              <a:t>…</a:t>
             </a:r>
           </a:p>
         </p:txBody>
@@ -5712,7 +7297,7 @@
           <p:cNvPr id="3" name="Content Placeholder 2">
             <a:extLst>
               <a:ext uri="{FF2B5EF4-FFF2-40B4-BE49-F238E27FC236}">
-                <a16:creationId xmlns:a16="http://schemas.microsoft.com/office/drawing/2014/main" id="{3720CED2-DA9A-6FEE-48F2-2EA582410B4A}"/>
+                <a16:creationId xmlns:a16="http://schemas.microsoft.com/office/drawing/2014/main" id="{E448BAD2-7283-B715-41C6-0939FC12FC6D}"/>
               </a:ext>
             </a:extLst>
           </p:cNvPr>
@@ -5725,8 +7310,8 @@
         </p:nvSpPr>
         <p:spPr>
           <a:xfrm>
-            <a:off x="1036949" y="1853754"/>
-            <a:ext cx="10017906" cy="4199727"/>
+            <a:off x="598311" y="1853754"/>
+            <a:ext cx="11255022" cy="4199727"/>
           </a:xfrm>
         </p:spPr>
         <p:txBody>
@@ -5735,75 +7320,70 @@
           <a:p>
             <a:r>
               <a:rPr lang="en-US" dirty="0"/>
-              <a:t>Testing and building the process. </a:t>
-            </a:r>
-          </a:p>
-          <a:p>
-            <a:pPr lvl="1"/>
-            <a:r>
-              <a:rPr lang="en-US" dirty="0"/>
-              <a:t>Can I read a line of data? </a:t>
-            </a:r>
-          </a:p>
-          <a:p>
-            <a:pPr lvl="1"/>
-            <a:r>
-              <a:rPr lang="en-US" dirty="0"/>
-              <a:t>Can I take that line of data and make an object from it? </a:t>
-            </a:r>
-          </a:p>
-          <a:p>
-            <a:pPr lvl="1"/>
-            <a:r>
-              <a:rPr lang="en-US" dirty="0"/>
-              <a:t>Can I add all the data from that line that I need to my object? </a:t>
-            </a:r>
-          </a:p>
-          <a:p>
-            <a:pPr lvl="1"/>
-            <a:r>
-              <a:rPr lang="en-US" dirty="0"/>
-              <a:t>Can I add methods/functionality one by one? </a:t>
-            </a:r>
-          </a:p>
-          <a:p>
-            <a:pPr lvl="1"/>
-            <a:r>
-              <a:rPr lang="en-US" dirty="0"/>
-              <a:t>Can I combine these product objects into a list or something, so they can be sorted or looped?</a:t>
-            </a:r>
-          </a:p>
-          <a:p>
-            <a:pPr lvl="1"/>
-            <a:r>
-              <a:rPr lang="en-US" dirty="0"/>
-              <a:t>Can I make an object that holds a bunch of these product objects? </a:t>
-            </a:r>
-          </a:p>
-          <a:p>
-            <a:pPr lvl="1"/>
-            <a:r>
-              <a:rPr lang="en-US" dirty="0"/>
-              <a:t>Does the functionality like compare work between products in our container? </a:t>
-            </a:r>
-          </a:p>
-          <a:p>
-            <a:pPr lvl="1"/>
-            <a:r>
-              <a:rPr lang="en-US" dirty="0"/>
-              <a:t>Can I add methods/functionality one by one to the container object? </a:t>
-            </a:r>
-          </a:p>
-          <a:p>
-            <a:pPr lvl="1"/>
-            <a:endParaRPr lang="en-US" dirty="0"/>
+              <a:t>In general, we want a function to do one thing (or outsource </a:t>
+            </a:r>
+            <a:r>
+              <a:rPr lang="en-US" dirty="0" err="1"/>
+              <a:t>substeps</a:t>
+            </a:r>
+            <a:r>
+              <a:rPr lang="en-US" dirty="0"/>
+              <a:t> to other functions). </a:t>
+            </a:r>
+          </a:p>
+          <a:p>
+            <a:pPr lvl="1"/>
+            <a:r>
+              <a:rPr lang="en-US" dirty="0"/>
+              <a:t>If we want to modify Item X in a list, and the user says what X is, it is probably better to have a function that modifies X, and takes X as an argument than to have the first step in that function be to ask the user for X. </a:t>
+            </a:r>
+          </a:p>
+          <a:p>
+            <a:pPr lvl="1"/>
+            <a:r>
+              <a:rPr lang="en-US" dirty="0"/>
+              <a:t>If our modify function was used elsewhere, we may want to be able to use it directly, without user input. E.g. what if we had a function to “apply 10% discount” to all items. </a:t>
+            </a:r>
+          </a:p>
+          <a:p>
+            <a:pPr lvl="1"/>
+            <a:r>
+              <a:rPr lang="en-US" dirty="0"/>
+              <a:t>Conceptually want to separate parts of code – logic, interactions, display, data/storage. </a:t>
+            </a:r>
+          </a:p>
+          <a:p>
+            <a:r>
+              <a:rPr lang="en-US" dirty="0"/>
+              <a:t>Error checking – places where we are likely to have errors:</a:t>
+            </a:r>
+          </a:p>
+          <a:p>
+            <a:pPr lvl="1"/>
+            <a:r>
+              <a:rPr lang="en-US" dirty="0"/>
+              <a:t>Dealing with outside data, we generally expect that to have errors or inconsistencies. Boundaries, invalid*. </a:t>
+            </a:r>
+          </a:p>
+          <a:p>
+            <a:r>
+              <a:rPr lang="en-US" dirty="0"/>
+              <a:t>Do things in smaller chunks, test if that works, then move on. </a:t>
+            </a:r>
+          </a:p>
+          <a:p>
+            <a:pPr lvl="1"/>
+            <a:r>
+              <a:rPr lang="en-US" dirty="0"/>
+              <a:t>You can, right now, build far more complex things than you think if you do it incrementally. </a:t>
+            </a:r>
           </a:p>
         </p:txBody>
       </p:sp>
     </p:spTree>
     <p:extLst>
       <p:ext uri="{BB962C8B-B14F-4D97-AF65-F5344CB8AC3E}">
-        <p14:creationId xmlns:p14="http://schemas.microsoft.com/office/powerpoint/2010/main" val="4204150102"/>
+        <p14:creationId xmlns:p14="http://schemas.microsoft.com/office/powerpoint/2010/main" val="2278121866"/>
       </p:ext>
     </p:extLst>
   </p:cSld>
@@ -5814,7 +7394,7 @@
 </file>
 
 <file path=ppt/slides/slide6.xml><?xml version="1.0" encoding="utf-8"?>
-<p:sld xmlns:a="http://schemas.openxmlformats.org/drawingml/2006/main" xmlns:r="http://schemas.openxmlformats.org/officeDocument/2006/relationships" xmlns:p="http://schemas.openxmlformats.org/presentationml/2006/main">
+<p:sld xmlns:a="http://schemas.openxmlformats.org/drawingml/2006/main" xmlns:r="http://schemas.openxmlformats.org/officeDocument/2006/relationships" xmlns:p="http://schemas.openxmlformats.org/presentationml/2006/main" show="0">
   <p:cSld>
     <p:spTree>
       <p:nvGrpSpPr>
@@ -5835,7 +7415,7 @@
           <p:cNvPr id="2" name="Title 1">
             <a:extLst>
               <a:ext uri="{FF2B5EF4-FFF2-40B4-BE49-F238E27FC236}">
-                <a16:creationId xmlns:a16="http://schemas.microsoft.com/office/drawing/2014/main" id="{970E2DA5-E5C6-65F5-5090-597B48020558}"/>
+                <a16:creationId xmlns:a16="http://schemas.microsoft.com/office/drawing/2014/main" id="{9D7FEFDA-23A7-9E43-EC0F-A16A2CB834C9}"/>
               </a:ext>
             </a:extLst>
           </p:cNvPr>
@@ -5853,7 +7433,7 @@
           <a:p>
             <a:r>
               <a:rPr lang="en-US" dirty="0"/>
-              <a:t>More Inheritance</a:t>
+              <a:t>Output Verification</a:t>
             </a:r>
           </a:p>
         </p:txBody>
@@ -5863,7 +7443,7 @@
           <p:cNvPr id="3" name="Content Placeholder 2">
             <a:extLst>
               <a:ext uri="{FF2B5EF4-FFF2-40B4-BE49-F238E27FC236}">
-                <a16:creationId xmlns:a16="http://schemas.microsoft.com/office/drawing/2014/main" id="{0A40217A-E52C-1952-6A82-64DA77A9395B}"/>
+                <a16:creationId xmlns:a16="http://schemas.microsoft.com/office/drawing/2014/main" id="{928CE28C-143B-00D2-BDB4-7EF9453A1EFE}"/>
               </a:ext>
             </a:extLst>
           </p:cNvPr>
@@ -5874,64 +7454,97 @@
             <p:ph idx="1"/>
           </p:nvPr>
         </p:nvSpPr>
-        <p:spPr/>
-        <p:txBody>
-          <a:bodyPr/>
-          <a:lstStyle/>
-          <a:p>
-            <a:endParaRPr lang="en-US" dirty="0"/>
-          </a:p>
-        </p:txBody>
-      </p:sp>
-      <p:pic>
-        <p:nvPicPr>
-          <p:cNvPr id="3074" name="Picture 2" descr="Chart: Inherited Wealth Concentrates Among the Ultra-Rich | Statista">
-            <a:extLst>
-              <a:ext uri="{FF2B5EF4-FFF2-40B4-BE49-F238E27FC236}">
-                <a16:creationId xmlns:a16="http://schemas.microsoft.com/office/drawing/2014/main" id="{1E71FEBE-E687-2A92-BE95-DC9814E38794}"/>
-              </a:ext>
-            </a:extLst>
-          </p:cNvPr>
-          <p:cNvPicPr>
-            <a:picLocks noChangeAspect="1" noChangeArrowheads="1"/>
-          </p:cNvPicPr>
-          <p:nvPr/>
-        </p:nvPicPr>
-        <p:blipFill rotWithShape="1">
-          <a:blip r:embed="rId2">
-            <a:extLst>
-              <a:ext uri="{28A0092B-C50C-407E-A947-70E740481C1C}">
-                <a14:useLocalDpi xmlns:a14="http://schemas.microsoft.com/office/drawing/2010/main" val="0"/>
-              </a:ext>
-            </a:extLst>
-          </a:blip>
-          <a:srcRect b="14613"/>
-          <a:stretch/>
-        </p:blipFill>
-        <p:spPr bwMode="auto">
+        <p:spPr>
           <a:xfrm>
-            <a:off x="3124020" y="1782618"/>
-            <a:ext cx="5943960" cy="5075382"/>
+            <a:off x="1451579" y="1853754"/>
+            <a:ext cx="9603275" cy="4199727"/>
           </a:xfrm>
-          <a:prstGeom prst="rect">
-            <a:avLst/>
-          </a:prstGeom>
-          <a:noFill/>
-          <a:extLst>
-            <a:ext uri="{909E8E84-426E-40DD-AFC4-6F175D3DCCD1}">
-              <a14:hiddenFill xmlns:a14="http://schemas.microsoft.com/office/drawing/2010/main">
-                <a:solidFill>
-                  <a:srgbClr val="FFFFFF"/>
-                </a:solidFill>
-              </a14:hiddenFill>
-            </a:ext>
-          </a:extLst>
         </p:spPr>
-      </p:pic>
+        <p:txBody>
+          <a:bodyPr>
+            <a:normAutofit fontScale="92500" lnSpcReduction="10000"/>
+          </a:bodyPr>
+          <a:lstStyle/>
+          <a:p>
+            <a:r>
+              <a:rPr lang="en-US" dirty="0"/>
+              <a:t>The next assignment will check the output of your code. </a:t>
+            </a:r>
+          </a:p>
+          <a:p>
+            <a:pPr lvl="1"/>
+            <a:r>
+              <a:rPr lang="en-US" dirty="0"/>
+              <a:t>I.e. you’ll be given a specified output format and data, and what your code generates will need to match that formatting and structure. </a:t>
+            </a:r>
+          </a:p>
+          <a:p>
+            <a:r>
+              <a:rPr lang="en-US" dirty="0"/>
+              <a:t>The idea is simple, we have your outputs and the correct answers. </a:t>
+            </a:r>
+          </a:p>
+          <a:p>
+            <a:pPr lvl="1"/>
+            <a:r>
+              <a:rPr lang="en-US" dirty="0"/>
+              <a:t>There is a “scoring” function that compares the two, if they match, you’re correct. </a:t>
+            </a:r>
+          </a:p>
+          <a:p>
+            <a:pPr lvl="1"/>
+            <a:r>
+              <a:rPr lang="en-US" dirty="0"/>
+              <a:t>The same as all of the scoring things in </a:t>
+            </a:r>
+            <a:r>
+              <a:rPr lang="en-US" dirty="0" err="1"/>
+              <a:t>sklearn</a:t>
+            </a:r>
+            <a:r>
+              <a:rPr lang="en-US" dirty="0"/>
+              <a:t> that you probably use in stats by now. </a:t>
+            </a:r>
+          </a:p>
+          <a:p>
+            <a:r>
+              <a:rPr lang="en-US" dirty="0"/>
+              <a:t>In building your assignment you’ll have a smaller set to check:</a:t>
+            </a:r>
+          </a:p>
+          <a:p>
+            <a:pPr lvl="1"/>
+            <a:r>
+              <a:rPr lang="en-US" dirty="0"/>
+              <a:t>A different set of inputs and correct results that you can run and score. </a:t>
+            </a:r>
+          </a:p>
+          <a:p>
+            <a:pPr lvl="1"/>
+            <a:r>
+              <a:rPr lang="en-US" dirty="0"/>
+              <a:t>The actual scoring function that I’ll use. </a:t>
+            </a:r>
+          </a:p>
+          <a:p>
+            <a:pPr lvl="1"/>
+            <a:r>
+              <a:rPr lang="en-US" dirty="0"/>
+              <a:t>Make it work with the sample data and it’ll work for any data! </a:t>
+            </a:r>
+          </a:p>
+          <a:p>
+            <a:r>
+              <a:rPr lang="en-US" dirty="0"/>
+              <a:t>This is really strict in that a small error makes it fail, that’s kind of normal in many cases. </a:t>
+            </a:r>
+          </a:p>
+        </p:txBody>
+      </p:sp>
     </p:spTree>
     <p:extLst>
       <p:ext uri="{BB962C8B-B14F-4D97-AF65-F5344CB8AC3E}">
-        <p14:creationId xmlns:p14="http://schemas.microsoft.com/office/powerpoint/2010/main" val="1154871766"/>
+        <p14:creationId xmlns:p14="http://schemas.microsoft.com/office/powerpoint/2010/main" val="3897319163"/>
       </p:ext>
     </p:extLst>
   </p:cSld>
@@ -5963,7 +7576,7 @@
           <p:cNvPr id="2" name="Title 1">
             <a:extLst>
               <a:ext uri="{FF2B5EF4-FFF2-40B4-BE49-F238E27FC236}">
-                <a16:creationId xmlns:a16="http://schemas.microsoft.com/office/drawing/2014/main" id="{EFF139EE-5DCD-CAE8-E5DE-000001C82D82}"/>
+                <a16:creationId xmlns:a16="http://schemas.microsoft.com/office/drawing/2014/main" id="{61F8D1C0-2580-A358-1C6D-AE95AFE694FF}"/>
               </a:ext>
             </a:extLst>
           </p:cNvPr>
@@ -5981,7 +7594,7 @@
           <a:p>
             <a:r>
               <a:rPr lang="en-US" dirty="0"/>
-              <a:t>Variable Types</a:t>
+              <a:t>F-Strings</a:t>
             </a:r>
           </a:p>
         </p:txBody>
@@ -5991,7 +7604,7 @@
           <p:cNvPr id="3" name="Content Placeholder 2">
             <a:extLst>
               <a:ext uri="{FF2B5EF4-FFF2-40B4-BE49-F238E27FC236}">
-                <a16:creationId xmlns:a16="http://schemas.microsoft.com/office/drawing/2014/main" id="{EBFC5E20-484D-E321-8FA6-BCA80189A30C}"/>
+                <a16:creationId xmlns:a16="http://schemas.microsoft.com/office/drawing/2014/main" id="{449F32B3-72F3-2052-87BB-2C47B9D8F706}"/>
               </a:ext>
             </a:extLst>
           </p:cNvPr>
@@ -6004,89 +7617,161 @@
         </p:nvSpPr>
         <p:spPr>
           <a:xfrm>
-            <a:off x="914400" y="1853754"/>
-            <a:ext cx="10475843" cy="4199727"/>
+            <a:off x="6463941" y="1853754"/>
+            <a:ext cx="5728059" cy="4199727"/>
           </a:xfrm>
         </p:spPr>
         <p:txBody>
           <a:bodyPr>
-            <a:normAutofit/>
+            <a:normAutofit lnSpcReduction="10000"/>
           </a:bodyPr>
           <a:lstStyle/>
           <a:p>
             <a:r>
               <a:rPr lang="en-US" dirty="0"/>
-              <a:t>In Python, we often pay little attention to the type of object we use:</a:t>
-            </a:r>
-          </a:p>
-          <a:p>
-            <a:pPr lvl="1"/>
-            <a:r>
-              <a:rPr lang="en-US" dirty="0"/>
-              <a:t>Different </a:t>
+              <a:t>F strings are probably the easiest way to mix text and variables. </a:t>
+            </a:r>
+          </a:p>
+          <a:p>
+            <a:r>
+              <a:rPr lang="en-US" dirty="0"/>
+              <a:t>F strings follow a format of:</a:t>
+            </a:r>
+          </a:p>
+          <a:p>
+            <a:pPr lvl="1"/>
+            <a:r>
+              <a:rPr lang="en-US" dirty="0"/>
+              <a:t>Prefaced, before the quote, by an ‘f’. </a:t>
+            </a:r>
+          </a:p>
+          <a:p>
+            <a:pPr lvl="1"/>
+            <a:r>
+              <a:rPr lang="en-US" dirty="0"/>
+              <a:t>Variable names are embedded in curly braces within the text. </a:t>
+            </a:r>
+          </a:p>
+          <a:p>
+            <a:pPr lvl="1"/>
+            <a:r>
+              <a:rPr lang="en-US" dirty="0"/>
+              <a:t>“Unbroken” quotation of text. </a:t>
+            </a:r>
+          </a:p>
+          <a:p>
+            <a:r>
+              <a:rPr lang="en-US" dirty="0"/>
+              <a:t>Variable values are inserted at the relevant spot. </a:t>
+            </a:r>
+          </a:p>
+          <a:p>
+            <a:pPr lvl="1"/>
+            <a:r>
+              <a:rPr lang="en-US" dirty="0"/>
+              <a:t>Avoid the start/end string, commas, format(), and </a:t>
             </a:r>
             <a:r>
               <a:rPr lang="en-US" dirty="0" err="1"/>
-              <a:t>iterable</a:t>
-            </a:r>
-            <a:r>
-              <a:rPr lang="en-US" dirty="0"/>
-              <a:t> data structures are largely interchangeable. </a:t>
-            </a:r>
-          </a:p>
-          <a:p>
-            <a:pPr lvl="1"/>
-            <a:r>
-              <a:rPr lang="en-US" dirty="0"/>
-              <a:t>We might not convert text data we’ve imported, unless needed for a calculation. </a:t>
-            </a:r>
-          </a:p>
-          <a:p>
-            <a:r>
-              <a:rPr lang="en-US" dirty="0"/>
-              <a:t>For example, if we are printing some values in a list, we can just have print(item) without worrying about what the item is. </a:t>
-            </a:r>
-          </a:p>
-          <a:p>
-            <a:pPr lvl="1"/>
-            <a:r>
-              <a:rPr lang="en-US" dirty="0"/>
-              <a:t>If we want to print an item, it (normally) “knows” how to print itself. </a:t>
-            </a:r>
-          </a:p>
-          <a:p>
-            <a:pPr lvl="1"/>
-            <a:r>
-              <a:rPr lang="en-US" dirty="0"/>
-              <a:t>Ever one of those items is “capable” of what is asked of it, no matter the type. </a:t>
-            </a:r>
-          </a:p>
-          <a:p>
-            <a:pPr lvl="1"/>
-            <a:r>
-              <a:rPr lang="en-US" dirty="0"/>
-              <a:t>This is one of the benefits of OOP – we don’t need to know how to do something, the item knows. </a:t>
-            </a:r>
-          </a:p>
-          <a:p>
-            <a:r>
-              <a:rPr lang="en-US" dirty="0"/>
-              <a:t>In this case, all the objects are ”strings” for this purpose – they do the needed string stuff. </a:t>
-            </a:r>
-          </a:p>
-          <a:p>
-            <a:pPr lvl="1"/>
-            <a:r>
-              <a:rPr lang="en-US" dirty="0"/>
-              <a:t>I.e. Each object can do whatever we need a string to do (here – not always), so what’s the difference? </a:t>
-            </a:r>
-          </a:p>
-        </p:txBody>
-      </p:sp>
+              <a:t>concats</a:t>
+            </a:r>
+            <a:r>
+              <a:rPr lang="en-US" dirty="0"/>
+              <a:t> of regular strings. </a:t>
+            </a:r>
+          </a:p>
+          <a:p>
+            <a:r>
+              <a:rPr lang="en-US" dirty="0"/>
+              <a:t>Colon: format can </a:t>
+            </a:r>
+            <a:r>
+              <a:rPr lang="en-US"/>
+              <a:t>control formatting. </a:t>
+            </a:r>
+            <a:endParaRPr lang="en-US" dirty="0"/>
+          </a:p>
+        </p:txBody>
+      </p:sp>
+      <p:pic>
+        <p:nvPicPr>
+          <p:cNvPr id="1026" name="Picture 2" descr="F-string: the easiest way to print() in Python - gustavorsantos - Medium">
+            <a:extLst>
+              <a:ext uri="{FF2B5EF4-FFF2-40B4-BE49-F238E27FC236}">
+                <a16:creationId xmlns:a16="http://schemas.microsoft.com/office/drawing/2014/main" id="{E032746E-61C2-5588-8AD9-AF05E872A3A6}"/>
+              </a:ext>
+            </a:extLst>
+          </p:cNvPr>
+          <p:cNvPicPr>
+            <a:picLocks noChangeAspect="1" noChangeArrowheads="1"/>
+          </p:cNvPicPr>
+          <p:nvPr/>
+        </p:nvPicPr>
+        <p:blipFill rotWithShape="1">
+          <a:blip r:embed="rId2">
+            <a:extLst>
+              <a:ext uri="{28A0092B-C50C-407E-A947-70E740481C1C}">
+                <a14:useLocalDpi xmlns:a14="http://schemas.microsoft.com/office/drawing/2010/main" val="0"/>
+              </a:ext>
+            </a:extLst>
+          </a:blip>
+          <a:srcRect l="7038" t="24106" r="8333" b="15634"/>
+          <a:stretch/>
+        </p:blipFill>
+        <p:spPr bwMode="auto">
+          <a:xfrm>
+            <a:off x="0" y="1853753"/>
+            <a:ext cx="6463940" cy="2446962"/>
+          </a:xfrm>
+          <a:prstGeom prst="rect">
+            <a:avLst/>
+          </a:prstGeom>
+          <a:noFill/>
+          <a:extLst>
+            <a:ext uri="{909E8E84-426E-40DD-AFC4-6F175D3DCCD1}">
+              <a14:hiddenFill xmlns:a14="http://schemas.microsoft.com/office/drawing/2010/main">
+                <a:solidFill>
+                  <a:srgbClr val="FFFFFF"/>
+                </a:solidFill>
+              </a14:hiddenFill>
+            </a:ext>
+          </a:extLst>
+        </p:spPr>
+      </p:pic>
+      <p:pic>
+        <p:nvPicPr>
+          <p:cNvPr id="4" name="Picture 3">
+            <a:extLst>
+              <a:ext uri="{FF2B5EF4-FFF2-40B4-BE49-F238E27FC236}">
+                <a16:creationId xmlns:a16="http://schemas.microsoft.com/office/drawing/2014/main" id="{8BD5178F-FE50-DC4E-BCE8-7E9E5EBDC39D}"/>
+              </a:ext>
+            </a:extLst>
+          </p:cNvPr>
+          <p:cNvPicPr>
+            <a:picLocks noChangeAspect="1"/>
+          </p:cNvPicPr>
+          <p:nvPr/>
+        </p:nvPicPr>
+        <p:blipFill>
+          <a:blip r:embed="rId3"/>
+          <a:stretch>
+            <a:fillRect/>
+          </a:stretch>
+        </p:blipFill>
+        <p:spPr>
+          <a:xfrm>
+            <a:off x="770151" y="4300715"/>
+            <a:ext cx="4923638" cy="2356813"/>
+          </a:xfrm>
+          <a:prstGeom prst="rect">
+            <a:avLst/>
+          </a:prstGeom>
+        </p:spPr>
+      </p:pic>
     </p:spTree>
     <p:extLst>
       <p:ext uri="{BB962C8B-B14F-4D97-AF65-F5344CB8AC3E}">
-        <p14:creationId xmlns:p14="http://schemas.microsoft.com/office/powerpoint/2010/main" val="3437884765"/>
+        <p14:creationId xmlns:p14="http://schemas.microsoft.com/office/powerpoint/2010/main" val="2042366015"/>
       </p:ext>
     </p:extLst>
   </p:cSld>
@@ -6118,7 +7803,7 @@
           <p:cNvPr id="2" name="Title 1">
             <a:extLst>
               <a:ext uri="{FF2B5EF4-FFF2-40B4-BE49-F238E27FC236}">
-                <a16:creationId xmlns:a16="http://schemas.microsoft.com/office/drawing/2014/main" id="{9BE9DD2E-7435-988B-3436-0F72AB080A64}"/>
+                <a16:creationId xmlns:a16="http://schemas.microsoft.com/office/drawing/2014/main" id="{F24AC584-C02D-3C51-DD64-6528D91D5D69}"/>
               </a:ext>
             </a:extLst>
           </p:cNvPr>
@@ -6126,7 +7811,7 @@
             <a:spLocks noGrp="1"/>
           </p:cNvSpPr>
           <p:nvPr>
-            <p:ph type="title"/>
+            <p:ph type="ctrTitle"/>
           </p:nvPr>
         </p:nvSpPr>
         <p:spPr/>
@@ -6136,17 +7821,17 @@
           <a:p>
             <a:r>
               <a:rPr lang="en-US" dirty="0"/>
-              <a:t>Duck Types</a:t>
-            </a:r>
-          </a:p>
-        </p:txBody>
-      </p:sp>
-      <p:sp>
-        <p:nvSpPr>
-          <p:cNvPr id="3" name="Content Placeholder 2">
+              <a:t>Inheritance #2</a:t>
+            </a:r>
+          </a:p>
+        </p:txBody>
+      </p:sp>
+      <p:sp>
+        <p:nvSpPr>
+          <p:cNvPr id="3" name="Subtitle 2">
             <a:extLst>
               <a:ext uri="{FF2B5EF4-FFF2-40B4-BE49-F238E27FC236}">
-                <a16:creationId xmlns:a16="http://schemas.microsoft.com/office/drawing/2014/main" id="{9D55B74F-14CE-E084-7DE2-1EADF1860C0B}"/>
+                <a16:creationId xmlns:a16="http://schemas.microsoft.com/office/drawing/2014/main" id="{DCF7BFD6-E7BB-E95E-0875-4120FC8C4392}"/>
               </a:ext>
             </a:extLst>
           </p:cNvPr>
@@ -6154,142 +7839,22 @@
             <a:spLocks noGrp="1"/>
           </p:cNvSpPr>
           <p:nvPr>
-            <p:ph idx="1"/>
-          </p:nvPr>
-        </p:nvSpPr>
-        <p:spPr>
-          <a:xfrm>
-            <a:off x="715617" y="1853754"/>
-            <a:ext cx="10475844" cy="4199727"/>
-          </a:xfrm>
-        </p:spPr>
-        <p:txBody>
-          <a:bodyPr>
-            <a:normAutofit/>
-          </a:bodyPr>
-          <a:lstStyle/>
-          <a:p>
-            <a:r>
-              <a:rPr lang="en-US" dirty="0"/>
-              <a:t>These show examples of Duck Typing:</a:t>
-            </a:r>
-          </a:p>
-          <a:p>
-            <a:pPr lvl="1"/>
-            <a:r>
-              <a:rPr lang="en-US" dirty="0"/>
-              <a:t>If it walks like a _____, and talks like a _____, then it is a _____.</a:t>
-            </a:r>
-          </a:p>
-          <a:p>
-            <a:pPr lvl="1"/>
-            <a:r>
-              <a:rPr lang="en-US" dirty="0"/>
-              <a:t>As long as an object can do what is asked of it, then it is as good as one of those objects. </a:t>
-            </a:r>
-          </a:p>
-          <a:p>
-            <a:pPr lvl="1"/>
-            <a:r>
-              <a:rPr lang="en-US" dirty="0"/>
-              <a:t>I.e. if we have a function that finds the largest number in a list, and we give it a Series, that function will (probably) work, so a Series “is” a list in that case. It quacks and walks like one. </a:t>
-            </a:r>
-          </a:p>
-          <a:p>
-            <a:pPr lvl="1"/>
-            <a:r>
-              <a:rPr lang="en-US" dirty="0"/>
-              <a:t>In the card game stuff we made an </a:t>
-            </a:r>
-            <a:r>
-              <a:rPr lang="en-US" dirty="0" err="1"/>
-              <a:t>iterable</a:t>
-            </a:r>
-            <a:r>
-              <a:rPr lang="en-US" dirty="0"/>
-              <a:t> – as long as it does </a:t>
-            </a:r>
-            <a:r>
-              <a:rPr lang="en-US" dirty="0" err="1"/>
-              <a:t>iterable</a:t>
-            </a:r>
-            <a:r>
-              <a:rPr lang="en-US" dirty="0"/>
-              <a:t> stuff, it is one. </a:t>
-            </a:r>
-          </a:p>
-          <a:p>
-            <a:r>
-              <a:rPr lang="en-US" dirty="0"/>
-              <a:t>In other programming languages this isn’t true, you need to declare a type for each object. </a:t>
-            </a:r>
-          </a:p>
-          <a:p>
-            <a:pPr lvl="1"/>
-            <a:r>
-              <a:rPr lang="en-US" dirty="0"/>
-              <a:t>E.g. float a = 4.56 rather than a=4.56 like we’d do now. </a:t>
-            </a:r>
-          </a:p>
-          <a:p>
-            <a:r>
-              <a:rPr lang="en-US" dirty="0"/>
-              <a:t>We don’t need “An X”, we just need something that can do that stuff.</a:t>
-            </a:r>
-          </a:p>
-        </p:txBody>
-      </p:sp>
-      <p:pic>
-        <p:nvPicPr>
-          <p:cNvPr id="2050" name="Picture 2" descr="Abstract Method vs Duck Typing in Python | by Vidip Malhotra | Medium">
-            <a:extLst>
-              <a:ext uri="{FF2B5EF4-FFF2-40B4-BE49-F238E27FC236}">
-                <a16:creationId xmlns:a16="http://schemas.microsoft.com/office/drawing/2014/main" id="{A1BAD592-BB0F-75C2-8822-6D7B9900B43B}"/>
-              </a:ext>
-            </a:extLst>
-          </p:cNvPr>
-          <p:cNvPicPr>
-            <a:picLocks noChangeAspect="1" noChangeArrowheads="1"/>
-          </p:cNvPicPr>
-          <p:nvPr/>
-        </p:nvPicPr>
-        <p:blipFill>
-          <a:blip r:embed="rId2">
-            <a:extLst>
-              <a:ext uri="{28A0092B-C50C-407E-A947-70E740481C1C}">
-                <a14:useLocalDpi xmlns:a14="http://schemas.microsoft.com/office/drawing/2010/main" val="0"/>
-              </a:ext>
-            </a:extLst>
-          </a:blip>
-          <a:srcRect/>
-          <a:stretch>
-            <a:fillRect/>
-          </a:stretch>
-        </p:blipFill>
-        <p:spPr bwMode="auto">
-          <a:xfrm>
-            <a:off x="8249778" y="4703634"/>
-            <a:ext cx="3942222" cy="2154366"/>
-          </a:xfrm>
-          <a:prstGeom prst="rect">
-            <a:avLst/>
-          </a:prstGeom>
-          <a:noFill/>
-          <a:extLst>
-            <a:ext uri="{909E8E84-426E-40DD-AFC4-6F175D3DCCD1}">
-              <a14:hiddenFill xmlns:a14="http://schemas.microsoft.com/office/drawing/2010/main">
-                <a:solidFill>
-                  <a:srgbClr val="FFFFFF"/>
-                </a:solidFill>
-              </a14:hiddenFill>
-            </a:ext>
-          </a:extLst>
-        </p:spPr>
-      </p:pic>
+            <p:ph type="subTitle" idx="1"/>
+          </p:nvPr>
+        </p:nvSpPr>
+        <p:spPr/>
+        <p:txBody>
+          <a:bodyPr/>
+          <a:lstStyle/>
+          <a:p>
+            <a:endParaRPr lang="en-US"/>
+          </a:p>
+        </p:txBody>
+      </p:sp>
     </p:spTree>
     <p:extLst>
       <p:ext uri="{BB962C8B-B14F-4D97-AF65-F5344CB8AC3E}">
-        <p14:creationId xmlns:p14="http://schemas.microsoft.com/office/powerpoint/2010/main" val="55520113"/>
+        <p14:creationId xmlns:p14="http://schemas.microsoft.com/office/powerpoint/2010/main" val="2027770696"/>
       </p:ext>
     </p:extLst>
   </p:cSld>
@@ -6300,7 +7865,7 @@
 </file>
 
 <file path=ppt/slides/slide9.xml><?xml version="1.0" encoding="utf-8"?>
-<p:sld xmlns:a="http://schemas.openxmlformats.org/drawingml/2006/main" xmlns:r="http://schemas.openxmlformats.org/officeDocument/2006/relationships" xmlns:p="http://schemas.openxmlformats.org/presentationml/2006/main">
+<p:sld xmlns:a="http://schemas.openxmlformats.org/drawingml/2006/main" xmlns:r="http://schemas.openxmlformats.org/officeDocument/2006/relationships" xmlns:p="http://schemas.openxmlformats.org/presentationml/2006/main" show="0">
   <p:cSld>
     <p:spTree>
       <p:nvGrpSpPr>
@@ -6321,7 +7886,7 @@
           <p:cNvPr id="2" name="Title 1">
             <a:extLst>
               <a:ext uri="{FF2B5EF4-FFF2-40B4-BE49-F238E27FC236}">
-                <a16:creationId xmlns:a16="http://schemas.microsoft.com/office/drawing/2014/main" id="{D7858A49-8376-3714-4C4D-C5B3CF88CFE9}"/>
+                <a16:creationId xmlns:a16="http://schemas.microsoft.com/office/drawing/2014/main" id="{3BA26C36-B6DB-3925-9306-A06DD04A7AA2}"/>
               </a:ext>
             </a:extLst>
           </p:cNvPr>
@@ -6339,7 +7904,7 @@
           <a:p>
             <a:r>
               <a:rPr lang="en-US" dirty="0"/>
-              <a:t>Abstract Base Classes (ABC)</a:t>
+              <a:t>Assignment 1 key Points</a:t>
             </a:r>
           </a:p>
         </p:txBody>
@@ -6349,7 +7914,7 @@
           <p:cNvPr id="3" name="Content Placeholder 2">
             <a:extLst>
               <a:ext uri="{FF2B5EF4-FFF2-40B4-BE49-F238E27FC236}">
-                <a16:creationId xmlns:a16="http://schemas.microsoft.com/office/drawing/2014/main" id="{C7B0F21D-ACF1-DF8C-A458-63FC228565F9}"/>
+                <a16:creationId xmlns:a16="http://schemas.microsoft.com/office/drawing/2014/main" id="{DAEB3D5A-CCE5-3F94-91BA-78A8B67BBAD5}"/>
               </a:ext>
             </a:extLst>
           </p:cNvPr>
@@ -6362,8 +7927,8 @@
         </p:nvSpPr>
         <p:spPr>
           <a:xfrm>
-            <a:off x="1451579" y="1938130"/>
-            <a:ext cx="9603275" cy="4115351"/>
+            <a:off x="1451579" y="1853754"/>
+            <a:ext cx="9603275" cy="4199727"/>
           </a:xfrm>
         </p:spPr>
         <p:txBody>
@@ -6372,69 +7937,90 @@
           <a:p>
             <a:r>
               <a:rPr lang="en-US" dirty="0"/>
-              <a:t>Abstract base classes are a tool to help make inheriting functionality easier. </a:t>
-            </a:r>
-          </a:p>
-          <a:p>
-            <a:r>
-              <a:rPr lang="en-US" dirty="0"/>
-              <a:t>ABCs are classes that define some functionality, but can’t exist as their own thing. </a:t>
-            </a:r>
-          </a:p>
-          <a:p>
-            <a:pPr lvl="1"/>
-            <a:r>
-              <a:rPr lang="en-US" dirty="0"/>
-              <a:t>I.e. we can’t instantiate a new object of an ABC class, it must be extended. </a:t>
-            </a:r>
-          </a:p>
-          <a:p>
-            <a:r>
-              <a:rPr lang="en-US" dirty="0"/>
-              <a:t>ABCs compliment Duck Typing:</a:t>
-            </a:r>
-          </a:p>
-          <a:p>
-            <a:pPr lvl="1"/>
-            <a:r>
-              <a:rPr lang="en-US" dirty="0"/>
-              <a:t>We can “implement an interface” of an ABC to make it “act as one” of what we inherit. </a:t>
-            </a:r>
-          </a:p>
-          <a:p>
-            <a:pPr lvl="1"/>
-            <a:r>
-              <a:rPr lang="en-US" dirty="0"/>
-              <a:t>When asking things like </a:t>
+              <a:t>Data processing and cleaning. </a:t>
+            </a:r>
+          </a:p>
+          <a:p>
+            <a:pPr lvl="1"/>
+            <a:r>
+              <a:rPr lang="en-US" dirty="0"/>
+              <a:t>Several problems with messy data, most notably the rupee sign. </a:t>
+            </a:r>
+          </a:p>
+          <a:p>
+            <a:pPr lvl="1"/>
+            <a:r>
+              <a:rPr lang="en-US" dirty="0"/>
+              <a:t>The sign will likely cause a column to be interpreted as a string/object. </a:t>
+            </a:r>
+          </a:p>
+          <a:p>
+            <a:pPr lvl="1"/>
+            <a:r>
+              <a:rPr lang="en-US" dirty="0"/>
+              <a:t>Solution – info to get type, if it is not a number we know it is not processed properly, start cleaning – slice off that mark, pull out numbers, </a:t>
             </a:r>
             <a:r>
               <a:rPr lang="en-US" dirty="0" err="1"/>
-              <a:t>isinstance</a:t>
-            </a:r>
-            <a:r>
-              <a:rPr lang="en-US" dirty="0"/>
-              <a:t>(), this will make them provide the right answer. </a:t>
-            </a:r>
-          </a:p>
-          <a:p>
-            <a:pPr lvl="1"/>
-            <a:r>
-              <a:rPr lang="en-US" dirty="0"/>
-              <a:t>“As long as we provide this stuff, then our object can function as this object”. </a:t>
-            </a:r>
-          </a:p>
-          <a:p>
-            <a:r>
-              <a:rPr lang="en-US" dirty="0"/>
-              <a:t>As long as we implement whatever is “needed” then our object will act as the ABC. </a:t>
-            </a:r>
+              <a:t>etc</a:t>
+            </a:r>
+            <a:r>
+              <a:rPr lang="en-US" dirty="0"/>
+              <a:t>… Identify issue, then define solution. </a:t>
+            </a:r>
+          </a:p>
+          <a:p>
+            <a:pPr lvl="1"/>
+            <a:r>
+              <a:rPr lang="en-US" dirty="0"/>
+              <a:t>This is something we normally need to consider for each value – like in stats making models. </a:t>
+            </a:r>
+          </a:p>
+          <a:p>
+            <a:r>
+              <a:rPr lang="en-US" dirty="0"/>
+              <a:t>Top rating. </a:t>
+            </a:r>
+          </a:p>
+          <a:p>
+            <a:pPr lvl="1"/>
+            <a:r>
+              <a:rPr lang="en-US" dirty="0"/>
+              <a:t>If the data is saved in a container in the Inventory, we just need to sort. </a:t>
+            </a:r>
+          </a:p>
+          <a:p>
+            <a:pPr lvl="1"/>
+            <a:r>
+              <a:rPr lang="en-US" dirty="0"/>
+              <a:t>If we need to sort, we can define __</a:t>
+            </a:r>
+            <a:r>
+              <a:rPr lang="en-US" dirty="0" err="1"/>
+              <a:t>lt</a:t>
+            </a:r>
+            <a:r>
+              <a:rPr lang="en-US" dirty="0"/>
+              <a:t>__ in the objects (products). </a:t>
+            </a:r>
+          </a:p>
+          <a:p>
+            <a:pPr lvl="1"/>
+            <a:r>
+              <a:rPr lang="en-US" dirty="0"/>
+              <a:t>So, if we can compare products, and we have a collection of them, we can sort. </a:t>
+            </a:r>
+          </a:p>
+          <a:p>
+            <a:pPr lvl="1"/>
+            <a:endParaRPr lang="en-US" dirty="0"/>
           </a:p>
         </p:txBody>
       </p:sp>
     </p:spTree>
     <p:extLst>
       <p:ext uri="{BB962C8B-B14F-4D97-AF65-F5344CB8AC3E}">
-        <p14:creationId xmlns:p14="http://schemas.microsoft.com/office/powerpoint/2010/main" val="1832535387"/>
+        <p14:creationId xmlns:p14="http://schemas.microsoft.com/office/powerpoint/2010/main" val="3696827880"/>
       </p:ext>
     </p:extLst>
   </p:cSld>
